--- a/trunk/9. Presentation/AS_DeadlineTeam_Week22.pptx
+++ b/trunk/9. Presentation/AS_DeadlineTeam_Week22.pptx
@@ -130,6 +130,1564 @@
 </p:presentation>
 </file>
 
+<file path=ppt/charts/chart1.xml><?xml version="1.0" encoding="utf-8"?>
+<c:chartSpace xmlns:c="http://schemas.openxmlformats.org/drawingml/2006/chart" xmlns:a="http://schemas.openxmlformats.org/drawingml/2006/main" xmlns:r="http://schemas.openxmlformats.org/officeDocument/2006/relationships">
+  <c:date1904 val="0"/>
+  <c:lang val="en-US"/>
+  <c:roundedCorners val="0"/>
+  <mc:AlternateContent xmlns:mc="http://schemas.openxmlformats.org/markup-compatibility/2006">
+    <mc:Choice xmlns:c14="http://schemas.microsoft.com/office/drawing/2007/8/2/chart" Requires="c14">
+      <c14:style val="102"/>
+    </mc:Choice>
+    <mc:Fallback>
+      <c:style val="2"/>
+    </mc:Fallback>
+  </mc:AlternateContent>
+  <c:chart>
+    <c:title>
+      <c:tx>
+        <c:rich>
+          <a:bodyPr rot="0" spcFirstLastPara="1" vertOverflow="ellipsis" vert="horz" wrap="square" anchor="ctr" anchorCtr="1"/>
+          <a:lstStyle/>
+          <a:p>
+            <a:pPr>
+              <a:defRPr sz="1400" b="0" i="0" u="none" strike="noStrike" kern="1200" spc="0" baseline="0">
+                <a:solidFill>
+                  <a:schemeClr val="tx1">
+                    <a:lumMod val="65000"/>
+                    <a:lumOff val="35000"/>
+                  </a:schemeClr>
+                </a:solidFill>
+                <a:latin typeface="+mn-lt"/>
+                <a:ea typeface="+mn-ea"/>
+                <a:cs typeface="+mn-cs"/>
+              </a:defRPr>
+            </a:pPr>
+            <a:r>
+              <a:rPr lang="en-US"/>
+              <a:t>Time</a:t>
+            </a:r>
+            <a:r>
+              <a:rPr lang="en-US" baseline="0"/>
+              <a:t> Actual for team's work</a:t>
+            </a:r>
+            <a:endParaRPr lang="en-US"/>
+          </a:p>
+        </c:rich>
+      </c:tx>
+      <c:layout/>
+      <c:overlay val="0"/>
+      <c:spPr>
+        <a:noFill/>
+        <a:ln w="25400">
+          <a:noFill/>
+        </a:ln>
+      </c:spPr>
+    </c:title>
+    <c:autoTitleDeleted val="0"/>
+    <c:plotArea>
+      <c:layout/>
+      <c:barChart>
+        <c:barDir val="col"/>
+        <c:grouping val="clustered"/>
+        <c:varyColors val="0"/>
+        <c:ser>
+          <c:idx val="1"/>
+          <c:order val="0"/>
+          <c:tx>
+            <c:strRef>
+              <c:f>'Planned and Actual - Week22'!$C$136</c:f>
+              <c:strCache>
+                <c:ptCount val="1"/>
+                <c:pt idx="0">
+                  <c:v>Name</c:v>
+                </c:pt>
+              </c:strCache>
+            </c:strRef>
+          </c:tx>
+          <c:spPr>
+            <a:solidFill>
+              <a:srgbClr val="C0504D"/>
+            </a:solidFill>
+            <a:ln w="25400">
+              <a:noFill/>
+            </a:ln>
+          </c:spPr>
+          <c:invertIfNegative val="0"/>
+          <c:dPt>
+            <c:idx val="0"/>
+            <c:invertIfNegative val="0"/>
+            <c:bubble3D val="0"/>
+            <c:spPr>
+              <a:solidFill>
+                <a:srgbClr val="000099"/>
+              </a:solidFill>
+              <a:ln w="25400">
+                <a:noFill/>
+              </a:ln>
+            </c:spPr>
+          </c:dPt>
+          <c:dPt>
+            <c:idx val="1"/>
+            <c:invertIfNegative val="0"/>
+            <c:bubble3D val="0"/>
+            <c:spPr>
+              <a:solidFill>
+                <a:srgbClr val="0066FF"/>
+              </a:solidFill>
+              <a:ln w="25400">
+                <a:noFill/>
+              </a:ln>
+            </c:spPr>
+          </c:dPt>
+          <c:dPt>
+            <c:idx val="2"/>
+            <c:invertIfNegative val="0"/>
+            <c:bubble3D val="0"/>
+            <c:spPr>
+              <a:solidFill>
+                <a:schemeClr val="accent4">
+                  <a:lumMod val="60000"/>
+                  <a:lumOff val="40000"/>
+                </a:schemeClr>
+              </a:solidFill>
+              <a:ln>
+                <a:noFill/>
+              </a:ln>
+              <a:effectLst/>
+            </c:spPr>
+          </c:dPt>
+          <c:dPt>
+            <c:idx val="3"/>
+            <c:invertIfNegative val="0"/>
+            <c:bubble3D val="0"/>
+            <c:spPr>
+              <a:solidFill>
+                <a:srgbClr val="66FF66"/>
+              </a:solidFill>
+              <a:ln w="25400">
+                <a:noFill/>
+              </a:ln>
+            </c:spPr>
+          </c:dPt>
+          <c:dPt>
+            <c:idx val="4"/>
+            <c:invertIfNegative val="0"/>
+            <c:bubble3D val="0"/>
+            <c:spPr>
+              <a:solidFill>
+                <a:srgbClr val="FF66FF"/>
+              </a:solidFill>
+              <a:ln w="25400">
+                <a:noFill/>
+              </a:ln>
+            </c:spPr>
+          </c:dPt>
+          <c:dPt>
+            <c:idx val="5"/>
+            <c:invertIfNegative val="0"/>
+            <c:bubble3D val="0"/>
+            <c:spPr>
+              <a:solidFill>
+                <a:srgbClr val="00B0F0"/>
+              </a:solidFill>
+              <a:ln w="25400">
+                <a:noFill/>
+              </a:ln>
+            </c:spPr>
+          </c:dPt>
+          <c:dLbls>
+            <c:spPr>
+              <a:noFill/>
+              <a:ln w="25400">
+                <a:noFill/>
+              </a:ln>
+            </c:spPr>
+            <c:dLblPos val="outEnd"/>
+            <c:showLegendKey val="0"/>
+            <c:showVal val="1"/>
+            <c:showCatName val="0"/>
+            <c:showSerName val="0"/>
+            <c:showPercent val="0"/>
+            <c:showBubbleSize val="0"/>
+            <c:showLeaderLines val="0"/>
+            <c:extLst>
+              <c:ext xmlns:c15="http://schemas.microsoft.com/office/drawing/2012/chart" uri="{CE6537A1-D6FC-4f65-9D91-7224C49458BB}">
+                <c15:layout/>
+                <c15:showLeaderLines val="0"/>
+              </c:ext>
+            </c:extLst>
+          </c:dLbls>
+          <c:cat>
+            <c:strRef>
+              <c:f>'Planned and Actual - Week10'!$B$136:$B$141</c:f>
+              <c:strCache>
+                <c:ptCount val="6"/>
+                <c:pt idx="0">
+                  <c:v>Le Ngoc Chau</c:v>
+                </c:pt>
+                <c:pt idx="1">
+                  <c:v>Khau Thanh Dao</c:v>
+                </c:pt>
+                <c:pt idx="2">
+                  <c:v>Ngo Quang Huy</c:v>
+                </c:pt>
+                <c:pt idx="3">
+                  <c:v>Nguyen Phan Xuan Huy</c:v>
+                </c:pt>
+                <c:pt idx="4">
+                  <c:v>Huynh Trong Khang</c:v>
+                </c:pt>
+                <c:pt idx="5">
+                  <c:v>Ta Ngoc Thien Phu</c:v>
+                </c:pt>
+              </c:strCache>
+            </c:strRef>
+          </c:cat>
+          <c:val>
+            <c:numRef>
+              <c:f>'Planned and Actual - Week22'!$D$137:$D$142</c:f>
+              <c:numCache>
+                <c:formatCode>0.00</c:formatCode>
+                <c:ptCount val="6"/>
+                <c:pt idx="0">
+                  <c:v>44.5</c:v>
+                </c:pt>
+                <c:pt idx="1">
+                  <c:v>44.5</c:v>
+                </c:pt>
+                <c:pt idx="2">
+                  <c:v>40.5</c:v>
+                </c:pt>
+                <c:pt idx="3">
+                  <c:v>54</c:v>
+                </c:pt>
+                <c:pt idx="4">
+                  <c:v>42.5</c:v>
+                </c:pt>
+                <c:pt idx="5">
+                  <c:v>41.5</c:v>
+                </c:pt>
+              </c:numCache>
+            </c:numRef>
+          </c:val>
+        </c:ser>
+        <c:dLbls>
+          <c:showLegendKey val="0"/>
+          <c:showVal val="0"/>
+          <c:showCatName val="0"/>
+          <c:showSerName val="0"/>
+          <c:showPercent val="0"/>
+          <c:showBubbleSize val="0"/>
+        </c:dLbls>
+        <c:gapWidth val="182"/>
+        <c:axId val="614622880"/>
+        <c:axId val="614629952"/>
+      </c:barChart>
+      <c:catAx>
+        <c:axId val="614622880"/>
+        <c:scaling>
+          <c:orientation val="minMax"/>
+        </c:scaling>
+        <c:delete val="0"/>
+        <c:axPos val="b"/>
+        <c:numFmt formatCode="General" sourceLinked="1"/>
+        <c:majorTickMark val="none"/>
+        <c:minorTickMark val="none"/>
+        <c:tickLblPos val="nextTo"/>
+        <c:spPr>
+          <a:noFill/>
+          <a:ln w="9525" cap="flat" cmpd="sng" algn="ctr">
+            <a:solidFill>
+              <a:schemeClr val="tx1">
+                <a:lumMod val="15000"/>
+                <a:lumOff val="85000"/>
+              </a:schemeClr>
+            </a:solidFill>
+            <a:round/>
+          </a:ln>
+          <a:effectLst/>
+        </c:spPr>
+        <c:txPr>
+          <a:bodyPr rot="-60000000" spcFirstLastPara="1" vertOverflow="ellipsis" vert="horz" wrap="square" anchor="ctr" anchorCtr="1"/>
+          <a:lstStyle/>
+          <a:p>
+            <a:pPr>
+              <a:defRPr sz="900" b="0" i="0" u="none" strike="noStrike" kern="1200" baseline="0">
+                <a:solidFill>
+                  <a:schemeClr val="tx1">
+                    <a:lumMod val="65000"/>
+                    <a:lumOff val="35000"/>
+                  </a:schemeClr>
+                </a:solidFill>
+                <a:latin typeface="+mn-lt"/>
+                <a:ea typeface="+mn-ea"/>
+                <a:cs typeface="+mn-cs"/>
+              </a:defRPr>
+            </a:pPr>
+            <a:endParaRPr lang="en-US"/>
+          </a:p>
+        </c:txPr>
+        <c:crossAx val="614629952"/>
+        <c:crosses val="autoZero"/>
+        <c:auto val="1"/>
+        <c:lblAlgn val="ctr"/>
+        <c:lblOffset val="100"/>
+        <c:noMultiLvlLbl val="0"/>
+      </c:catAx>
+      <c:valAx>
+        <c:axId val="614629952"/>
+        <c:scaling>
+          <c:orientation val="minMax"/>
+        </c:scaling>
+        <c:delete val="0"/>
+        <c:axPos val="l"/>
+        <c:majorGridlines>
+          <c:spPr>
+            <a:ln w="9525" cap="flat" cmpd="sng" algn="ctr">
+              <a:solidFill>
+                <a:schemeClr val="tx1">
+                  <a:lumMod val="15000"/>
+                  <a:lumOff val="85000"/>
+                </a:schemeClr>
+              </a:solidFill>
+              <a:round/>
+            </a:ln>
+            <a:effectLst/>
+          </c:spPr>
+        </c:majorGridlines>
+        <c:numFmt formatCode="0.00" sourceLinked="1"/>
+        <c:majorTickMark val="none"/>
+        <c:minorTickMark val="none"/>
+        <c:tickLblPos val="nextTo"/>
+        <c:spPr>
+          <a:ln w="9525">
+            <a:noFill/>
+          </a:ln>
+        </c:spPr>
+        <c:txPr>
+          <a:bodyPr rot="-60000000" spcFirstLastPara="1" vertOverflow="ellipsis" vert="horz" wrap="square" anchor="ctr" anchorCtr="1"/>
+          <a:lstStyle/>
+          <a:p>
+            <a:pPr>
+              <a:defRPr sz="900" b="0" i="0" u="none" strike="noStrike" kern="1200" baseline="0">
+                <a:solidFill>
+                  <a:schemeClr val="tx1">
+                    <a:lumMod val="65000"/>
+                    <a:lumOff val="35000"/>
+                  </a:schemeClr>
+                </a:solidFill>
+                <a:latin typeface="+mn-lt"/>
+                <a:ea typeface="+mn-ea"/>
+                <a:cs typeface="+mn-cs"/>
+              </a:defRPr>
+            </a:pPr>
+            <a:endParaRPr lang="en-US"/>
+          </a:p>
+        </c:txPr>
+        <c:crossAx val="614622880"/>
+        <c:crosses val="autoZero"/>
+        <c:crossBetween val="between"/>
+      </c:valAx>
+      <c:spPr>
+        <a:noFill/>
+        <a:ln w="25400">
+          <a:noFill/>
+        </a:ln>
+      </c:spPr>
+    </c:plotArea>
+    <c:plotVisOnly val="1"/>
+    <c:dispBlanksAs val="gap"/>
+    <c:showDLblsOverMax val="0"/>
+  </c:chart>
+  <c:spPr>
+    <a:solidFill>
+      <a:schemeClr val="bg1"/>
+    </a:solidFill>
+    <a:ln w="9525" cap="flat" cmpd="sng" algn="ctr">
+      <a:solidFill>
+        <a:schemeClr val="tx1">
+          <a:lumMod val="15000"/>
+          <a:lumOff val="85000"/>
+        </a:schemeClr>
+      </a:solidFill>
+      <a:round/>
+    </a:ln>
+    <a:effectLst/>
+  </c:spPr>
+  <c:txPr>
+    <a:bodyPr/>
+    <a:lstStyle/>
+    <a:p>
+      <a:pPr>
+        <a:defRPr/>
+      </a:pPr>
+      <a:endParaRPr lang="en-US"/>
+    </a:p>
+  </c:txPr>
+  <c:externalData r:id="rId1">
+    <c:autoUpdate val="0"/>
+  </c:externalData>
+</c:chartSpace>
+</file>
+
+<file path=ppt/charts/chart2.xml><?xml version="1.0" encoding="utf-8"?>
+<c:chartSpace xmlns:c="http://schemas.openxmlformats.org/drawingml/2006/chart" xmlns:a="http://schemas.openxmlformats.org/drawingml/2006/main" xmlns:r="http://schemas.openxmlformats.org/officeDocument/2006/relationships">
+  <c:date1904 val="0"/>
+  <c:lang val="en-US"/>
+  <c:roundedCorners val="0"/>
+  <mc:AlternateContent xmlns:mc="http://schemas.openxmlformats.org/markup-compatibility/2006">
+    <mc:Choice xmlns:c14="http://schemas.microsoft.com/office/drawing/2007/8/2/chart" Requires="c14">
+      <c14:style val="102"/>
+    </mc:Choice>
+    <mc:Fallback>
+      <c:style val="2"/>
+    </mc:Fallback>
+  </mc:AlternateContent>
+  <c:chart>
+    <c:title>
+      <c:tx>
+        <c:rich>
+          <a:bodyPr rot="0" spcFirstLastPara="1" vertOverflow="ellipsis" vert="horz" wrap="square" anchor="ctr" anchorCtr="1"/>
+          <a:lstStyle/>
+          <a:p>
+            <a:pPr>
+              <a:defRPr sz="1600" b="1" i="0" u="none" strike="noStrike" kern="1200" cap="none" spc="0" normalizeH="0" baseline="0">
+                <a:solidFill>
+                  <a:schemeClr val="dk1">
+                    <a:lumMod val="50000"/>
+                    <a:lumOff val="50000"/>
+                  </a:schemeClr>
+                </a:solidFill>
+                <a:latin typeface="+mj-lt"/>
+                <a:ea typeface="+mj-ea"/>
+                <a:cs typeface="+mj-cs"/>
+              </a:defRPr>
+            </a:pPr>
+            <a:r>
+              <a:rPr lang="en-US"/>
+              <a:t>Time for planing/ Time for doing</a:t>
+            </a:r>
+          </a:p>
+        </c:rich>
+      </c:tx>
+      <c:layout/>
+      <c:overlay val="0"/>
+      <c:spPr>
+        <a:noFill/>
+        <a:ln>
+          <a:noFill/>
+        </a:ln>
+        <a:effectLst/>
+      </c:spPr>
+      <c:txPr>
+        <a:bodyPr rot="0" spcFirstLastPara="1" vertOverflow="ellipsis" vert="horz" wrap="square" anchor="ctr" anchorCtr="1"/>
+        <a:lstStyle/>
+        <a:p>
+          <a:pPr>
+            <a:defRPr sz="1600" b="1" i="0" u="none" strike="noStrike" kern="1200" cap="none" spc="0" normalizeH="0" baseline="0">
+              <a:solidFill>
+                <a:schemeClr val="dk1">
+                  <a:lumMod val="50000"/>
+                  <a:lumOff val="50000"/>
+                </a:schemeClr>
+              </a:solidFill>
+              <a:latin typeface="+mj-lt"/>
+              <a:ea typeface="+mj-ea"/>
+              <a:cs typeface="+mj-cs"/>
+            </a:defRPr>
+          </a:pPr>
+          <a:endParaRPr lang="en-US"/>
+        </a:p>
+      </c:txPr>
+    </c:title>
+    <c:autoTitleDeleted val="0"/>
+    <c:plotArea>
+      <c:layout/>
+      <c:barChart>
+        <c:barDir val="col"/>
+        <c:grouping val="clustered"/>
+        <c:varyColors val="0"/>
+        <c:ser>
+          <c:idx val="0"/>
+          <c:order val="0"/>
+          <c:tx>
+            <c:strRef>
+              <c:f>'Week#23'!$A$2</c:f>
+              <c:strCache>
+                <c:ptCount val="1"/>
+                <c:pt idx="0">
+                  <c:v>SUMMARY: TIME FOR PLANNING PROJECT</c:v>
+                </c:pt>
+              </c:strCache>
+            </c:strRef>
+          </c:tx>
+          <c:spPr>
+            <a:solidFill>
+              <a:schemeClr val="accent6"/>
+            </a:solidFill>
+            <a:ln>
+              <a:noFill/>
+            </a:ln>
+            <a:effectLst/>
+          </c:spPr>
+          <c:invertIfNegative val="0"/>
+          <c:dLbls>
+            <c:spPr>
+              <a:noFill/>
+              <a:ln>
+                <a:noFill/>
+              </a:ln>
+              <a:effectLst/>
+            </c:spPr>
+            <c:txPr>
+              <a:bodyPr rot="0" spcFirstLastPara="1" vertOverflow="ellipsis" vert="horz" wrap="square" lIns="38100" tIns="19050" rIns="38100" bIns="19050" anchor="ctr" anchorCtr="1">
+                <a:spAutoFit/>
+              </a:bodyPr>
+              <a:lstStyle/>
+              <a:p>
+                <a:pPr>
+                  <a:defRPr sz="900" b="0" i="0" u="none" strike="noStrike" kern="1200" baseline="0">
+                    <a:solidFill>
+                      <a:schemeClr val="dk1">
+                        <a:lumMod val="75000"/>
+                        <a:lumOff val="25000"/>
+                      </a:schemeClr>
+                    </a:solidFill>
+                    <a:latin typeface="+mn-lt"/>
+                    <a:ea typeface="+mn-ea"/>
+                    <a:cs typeface="+mn-cs"/>
+                  </a:defRPr>
+                </a:pPr>
+                <a:endParaRPr lang="en-US"/>
+              </a:p>
+            </c:txPr>
+            <c:dLblPos val="outEnd"/>
+            <c:showLegendKey val="0"/>
+            <c:showVal val="1"/>
+            <c:showCatName val="0"/>
+            <c:showSerName val="0"/>
+            <c:showPercent val="0"/>
+            <c:showBubbleSize val="0"/>
+            <c:showLeaderLines val="0"/>
+            <c:extLst>
+              <c:ext xmlns:c15="http://schemas.microsoft.com/office/drawing/2012/chart" uri="{CE6537A1-D6FC-4f65-9D91-7224C49458BB}">
+                <c15:layout/>
+                <c15:showLeaderLines val="1"/>
+                <c15:leaderLines>
+                  <c:spPr>
+                    <a:ln w="9525" cap="flat" cmpd="sng" algn="ctr">
+                      <a:solidFill>
+                        <a:schemeClr val="dk1">
+                          <a:lumMod val="35000"/>
+                          <a:lumOff val="65000"/>
+                        </a:schemeClr>
+                      </a:solidFill>
+                      <a:round/>
+                    </a:ln>
+                    <a:effectLst/>
+                  </c:spPr>
+                </c15:leaderLines>
+              </c:ext>
+            </c:extLst>
+          </c:dLbls>
+          <c:cat>
+            <c:strRef>
+              <c:f>'Week#23'!$B$1:$G$1</c:f>
+              <c:strCache>
+                <c:ptCount val="6"/>
+                <c:pt idx="0">
+                  <c:v>Chau Le</c:v>
+                </c:pt>
+                <c:pt idx="1">
+                  <c:v>Dao Khau</c:v>
+                </c:pt>
+                <c:pt idx="2">
+                  <c:v>Huy Ngo</c:v>
+                </c:pt>
+                <c:pt idx="3">
+                  <c:v>Huy Nguyen</c:v>
+                </c:pt>
+                <c:pt idx="4">
+                  <c:v>Khang Huynh</c:v>
+                </c:pt>
+                <c:pt idx="5">
+                  <c:v>Phu Ta</c:v>
+                </c:pt>
+              </c:strCache>
+            </c:strRef>
+          </c:cat>
+          <c:val>
+            <c:numRef>
+              <c:f>'Week#23'!$B$2:$G$2</c:f>
+              <c:numCache>
+                <c:formatCode>0.00</c:formatCode>
+                <c:ptCount val="6"/>
+                <c:pt idx="0">
+                  <c:v>683</c:v>
+                </c:pt>
+                <c:pt idx="1">
+                  <c:v>695</c:v>
+                </c:pt>
+                <c:pt idx="2">
+                  <c:v>550</c:v>
+                </c:pt>
+                <c:pt idx="3">
+                  <c:v>425</c:v>
+                </c:pt>
+                <c:pt idx="4">
+                  <c:v>618</c:v>
+                </c:pt>
+                <c:pt idx="5">
+                  <c:v>659</c:v>
+                </c:pt>
+              </c:numCache>
+            </c:numRef>
+          </c:val>
+        </c:ser>
+        <c:ser>
+          <c:idx val="1"/>
+          <c:order val="1"/>
+          <c:tx>
+            <c:strRef>
+              <c:f>'Week#23'!$A$3</c:f>
+              <c:strCache>
+                <c:ptCount val="1"/>
+                <c:pt idx="0">
+                  <c:v>SUMMARY: TIME FOR DOING PROJECT</c:v>
+                </c:pt>
+              </c:strCache>
+            </c:strRef>
+          </c:tx>
+          <c:spPr>
+            <a:solidFill>
+              <a:schemeClr val="accent5"/>
+            </a:solidFill>
+            <a:ln>
+              <a:noFill/>
+            </a:ln>
+            <a:effectLst/>
+          </c:spPr>
+          <c:invertIfNegative val="0"/>
+          <c:dLbls>
+            <c:spPr>
+              <a:noFill/>
+              <a:ln>
+                <a:noFill/>
+              </a:ln>
+              <a:effectLst/>
+            </c:spPr>
+            <c:txPr>
+              <a:bodyPr rot="0" spcFirstLastPara="1" vertOverflow="ellipsis" vert="horz" wrap="square" lIns="38100" tIns="19050" rIns="38100" bIns="19050" anchor="ctr" anchorCtr="1">
+                <a:spAutoFit/>
+              </a:bodyPr>
+              <a:lstStyle/>
+              <a:p>
+                <a:pPr>
+                  <a:defRPr sz="900" b="0" i="0" u="none" strike="noStrike" kern="1200" baseline="0">
+                    <a:solidFill>
+                      <a:schemeClr val="dk1">
+                        <a:lumMod val="75000"/>
+                        <a:lumOff val="25000"/>
+                      </a:schemeClr>
+                    </a:solidFill>
+                    <a:latin typeface="+mn-lt"/>
+                    <a:ea typeface="+mn-ea"/>
+                    <a:cs typeface="+mn-cs"/>
+                  </a:defRPr>
+                </a:pPr>
+                <a:endParaRPr lang="en-US"/>
+              </a:p>
+            </c:txPr>
+            <c:dLblPos val="outEnd"/>
+            <c:showLegendKey val="0"/>
+            <c:showVal val="1"/>
+            <c:showCatName val="0"/>
+            <c:showSerName val="0"/>
+            <c:showPercent val="0"/>
+            <c:showBubbleSize val="0"/>
+            <c:showLeaderLines val="0"/>
+            <c:extLst>
+              <c:ext xmlns:c15="http://schemas.microsoft.com/office/drawing/2012/chart" uri="{CE6537A1-D6FC-4f65-9D91-7224C49458BB}">
+                <c15:layout/>
+                <c15:showLeaderLines val="1"/>
+                <c15:leaderLines>
+                  <c:spPr>
+                    <a:ln w="9525" cap="flat" cmpd="sng" algn="ctr">
+                      <a:solidFill>
+                        <a:schemeClr val="dk1">
+                          <a:lumMod val="35000"/>
+                          <a:lumOff val="65000"/>
+                        </a:schemeClr>
+                      </a:solidFill>
+                      <a:round/>
+                    </a:ln>
+                    <a:effectLst/>
+                  </c:spPr>
+                </c15:leaderLines>
+              </c:ext>
+            </c:extLst>
+          </c:dLbls>
+          <c:cat>
+            <c:strRef>
+              <c:f>'Week#23'!$B$1:$G$1</c:f>
+              <c:strCache>
+                <c:ptCount val="6"/>
+                <c:pt idx="0">
+                  <c:v>Chau Le</c:v>
+                </c:pt>
+                <c:pt idx="1">
+                  <c:v>Dao Khau</c:v>
+                </c:pt>
+                <c:pt idx="2">
+                  <c:v>Huy Ngo</c:v>
+                </c:pt>
+                <c:pt idx="3">
+                  <c:v>Huy Nguyen</c:v>
+                </c:pt>
+                <c:pt idx="4">
+                  <c:v>Khang Huynh</c:v>
+                </c:pt>
+                <c:pt idx="5">
+                  <c:v>Phu Ta</c:v>
+                </c:pt>
+              </c:strCache>
+            </c:strRef>
+          </c:cat>
+          <c:val>
+            <c:numRef>
+              <c:f>'Week#23'!$B$3:$G$3</c:f>
+              <c:numCache>
+                <c:formatCode>0.00</c:formatCode>
+                <c:ptCount val="6"/>
+                <c:pt idx="0">
+                  <c:v>576.30999999999995</c:v>
+                </c:pt>
+                <c:pt idx="1">
+                  <c:v>547.71</c:v>
+                </c:pt>
+                <c:pt idx="2">
+                  <c:v>532.44000000000005</c:v>
+                </c:pt>
+                <c:pt idx="3">
+                  <c:v>426.94</c:v>
+                </c:pt>
+                <c:pt idx="4">
+                  <c:v>599.45000000000005</c:v>
+                </c:pt>
+                <c:pt idx="5">
+                  <c:v>595.21</c:v>
+                </c:pt>
+              </c:numCache>
+            </c:numRef>
+          </c:val>
+        </c:ser>
+        <c:dLbls>
+          <c:dLblPos val="outEnd"/>
+          <c:showLegendKey val="0"/>
+          <c:showVal val="1"/>
+          <c:showCatName val="0"/>
+          <c:showSerName val="0"/>
+          <c:showPercent val="0"/>
+          <c:showBubbleSize val="0"/>
+        </c:dLbls>
+        <c:gapWidth val="267"/>
+        <c:overlap val="-43"/>
+        <c:axId val="614624512"/>
+        <c:axId val="614621792"/>
+      </c:barChart>
+      <c:catAx>
+        <c:axId val="614624512"/>
+        <c:scaling>
+          <c:orientation val="minMax"/>
+        </c:scaling>
+        <c:delete val="0"/>
+        <c:axPos val="b"/>
+        <c:majorGridlines>
+          <c:spPr>
+            <a:ln w="9525" cap="flat" cmpd="sng" algn="ctr">
+              <a:solidFill>
+                <a:schemeClr val="dk1">
+                  <a:lumMod val="15000"/>
+                  <a:lumOff val="85000"/>
+                </a:schemeClr>
+              </a:solidFill>
+              <a:round/>
+            </a:ln>
+            <a:effectLst/>
+          </c:spPr>
+        </c:majorGridlines>
+        <c:numFmt formatCode="General" sourceLinked="1"/>
+        <c:majorTickMark val="none"/>
+        <c:minorTickMark val="none"/>
+        <c:tickLblPos val="nextTo"/>
+        <c:spPr>
+          <a:noFill/>
+          <a:ln w="9525" cap="flat" cmpd="sng" algn="ctr">
+            <a:solidFill>
+              <a:schemeClr val="dk1">
+                <a:lumMod val="15000"/>
+                <a:lumOff val="85000"/>
+              </a:schemeClr>
+            </a:solidFill>
+            <a:round/>
+          </a:ln>
+          <a:effectLst/>
+        </c:spPr>
+        <c:txPr>
+          <a:bodyPr rot="-60000000" spcFirstLastPara="1" vertOverflow="ellipsis" vert="horz" wrap="square" anchor="ctr" anchorCtr="1"/>
+          <a:lstStyle/>
+          <a:p>
+            <a:pPr>
+              <a:defRPr sz="900" b="0" i="0" u="none" strike="noStrike" kern="1200" cap="none" spc="0" normalizeH="0" baseline="0">
+                <a:solidFill>
+                  <a:schemeClr val="dk1">
+                    <a:lumMod val="65000"/>
+                    <a:lumOff val="35000"/>
+                  </a:schemeClr>
+                </a:solidFill>
+                <a:latin typeface="+mn-lt"/>
+                <a:ea typeface="+mn-ea"/>
+                <a:cs typeface="+mn-cs"/>
+              </a:defRPr>
+            </a:pPr>
+            <a:endParaRPr lang="en-US"/>
+          </a:p>
+        </c:txPr>
+        <c:crossAx val="614621792"/>
+        <c:crosses val="autoZero"/>
+        <c:auto val="1"/>
+        <c:lblAlgn val="ctr"/>
+        <c:lblOffset val="100"/>
+        <c:noMultiLvlLbl val="0"/>
+      </c:catAx>
+      <c:valAx>
+        <c:axId val="614621792"/>
+        <c:scaling>
+          <c:orientation val="minMax"/>
+        </c:scaling>
+        <c:delete val="0"/>
+        <c:axPos val="l"/>
+        <c:majorGridlines>
+          <c:spPr>
+            <a:ln w="9525" cap="flat" cmpd="sng" algn="ctr">
+              <a:solidFill>
+                <a:schemeClr val="dk1">
+                  <a:lumMod val="15000"/>
+                  <a:lumOff val="85000"/>
+                </a:schemeClr>
+              </a:solidFill>
+              <a:round/>
+            </a:ln>
+            <a:effectLst/>
+          </c:spPr>
+        </c:majorGridlines>
+        <c:numFmt formatCode="0.00" sourceLinked="1"/>
+        <c:majorTickMark val="none"/>
+        <c:minorTickMark val="none"/>
+        <c:tickLblPos val="nextTo"/>
+        <c:spPr>
+          <a:noFill/>
+          <a:ln>
+            <a:noFill/>
+          </a:ln>
+          <a:effectLst/>
+        </c:spPr>
+        <c:txPr>
+          <a:bodyPr rot="-60000000" spcFirstLastPara="1" vertOverflow="ellipsis" vert="horz" wrap="square" anchor="ctr" anchorCtr="1"/>
+          <a:lstStyle/>
+          <a:p>
+            <a:pPr>
+              <a:defRPr sz="900" b="0" i="0" u="none" strike="noStrike" kern="1200" baseline="0">
+                <a:solidFill>
+                  <a:schemeClr val="dk1">
+                    <a:lumMod val="65000"/>
+                    <a:lumOff val="35000"/>
+                  </a:schemeClr>
+                </a:solidFill>
+                <a:latin typeface="+mn-lt"/>
+                <a:ea typeface="+mn-ea"/>
+                <a:cs typeface="+mn-cs"/>
+              </a:defRPr>
+            </a:pPr>
+            <a:endParaRPr lang="en-US"/>
+          </a:p>
+        </c:txPr>
+        <c:crossAx val="614624512"/>
+        <c:crosses val="autoZero"/>
+        <c:crossBetween val="between"/>
+      </c:valAx>
+      <c:spPr>
+        <a:pattFill prst="ltDnDiag">
+          <a:fgClr>
+            <a:schemeClr val="dk1">
+              <a:lumMod val="15000"/>
+              <a:lumOff val="85000"/>
+            </a:schemeClr>
+          </a:fgClr>
+          <a:bgClr>
+            <a:schemeClr val="lt1"/>
+          </a:bgClr>
+        </a:pattFill>
+        <a:ln>
+          <a:noFill/>
+        </a:ln>
+        <a:effectLst/>
+      </c:spPr>
+    </c:plotArea>
+    <c:legend>
+      <c:legendPos val="b"/>
+      <c:layout/>
+      <c:overlay val="0"/>
+      <c:spPr>
+        <a:noFill/>
+        <a:ln>
+          <a:noFill/>
+        </a:ln>
+        <a:effectLst/>
+      </c:spPr>
+      <c:txPr>
+        <a:bodyPr rot="0" spcFirstLastPara="1" vertOverflow="ellipsis" vert="horz" wrap="square" anchor="ctr" anchorCtr="1"/>
+        <a:lstStyle/>
+        <a:p>
+          <a:pPr>
+            <a:defRPr sz="900" b="0" i="0" u="none" strike="noStrike" kern="1200" baseline="0">
+              <a:solidFill>
+                <a:schemeClr val="dk1">
+                  <a:lumMod val="65000"/>
+                  <a:lumOff val="35000"/>
+                </a:schemeClr>
+              </a:solidFill>
+              <a:latin typeface="+mn-lt"/>
+              <a:ea typeface="+mn-ea"/>
+              <a:cs typeface="+mn-cs"/>
+            </a:defRPr>
+          </a:pPr>
+          <a:endParaRPr lang="en-US"/>
+        </a:p>
+      </c:txPr>
+    </c:legend>
+    <c:plotVisOnly val="1"/>
+    <c:dispBlanksAs val="gap"/>
+    <c:showDLblsOverMax val="0"/>
+  </c:chart>
+  <c:spPr>
+    <a:solidFill>
+      <a:schemeClr val="lt1"/>
+    </a:solidFill>
+    <a:ln w="9525" cap="flat" cmpd="sng" algn="ctr">
+      <a:solidFill>
+        <a:schemeClr val="dk1">
+          <a:lumMod val="15000"/>
+          <a:lumOff val="85000"/>
+        </a:schemeClr>
+      </a:solidFill>
+      <a:round/>
+    </a:ln>
+    <a:effectLst/>
+  </c:spPr>
+  <c:txPr>
+    <a:bodyPr/>
+    <a:lstStyle/>
+    <a:p>
+      <a:pPr>
+        <a:defRPr/>
+      </a:pPr>
+      <a:endParaRPr lang="en-US"/>
+    </a:p>
+  </c:txPr>
+  <c:externalData r:id="rId3">
+    <c:autoUpdate val="0"/>
+  </c:externalData>
+</c:chartSpace>
+</file>
+
+<file path=ppt/charts/colors1.xml><?xml version="1.0" encoding="utf-8"?>
+<cs:colorStyle xmlns:cs="http://schemas.microsoft.com/office/drawing/2012/chartStyle" xmlns:a="http://schemas.openxmlformats.org/drawingml/2006/main" meth="cycle" id="13">
+  <a:schemeClr val="accent6"/>
+  <a:schemeClr val="accent5"/>
+  <a:schemeClr val="accent4"/>
+  <cs:variation/>
+  <cs:variation>
+    <a:lumMod val="60000"/>
+  </cs:variation>
+  <cs:variation>
+    <a:lumMod val="80000"/>
+    <a:lumOff val="20000"/>
+  </cs:variation>
+  <cs:variation>
+    <a:lumMod val="80000"/>
+  </cs:variation>
+  <cs:variation>
+    <a:lumMod val="60000"/>
+    <a:lumOff val="40000"/>
+  </cs:variation>
+  <cs:variation>
+    <a:lumMod val="50000"/>
+  </cs:variation>
+  <cs:variation>
+    <a:lumMod val="70000"/>
+    <a:lumOff val="30000"/>
+  </cs:variation>
+  <cs:variation>
+    <a:lumMod val="70000"/>
+  </cs:variation>
+  <cs:variation>
+    <a:lumMod val="50000"/>
+    <a:lumOff val="50000"/>
+  </cs:variation>
+</cs:colorStyle>
+</file>
+
+<file path=ppt/charts/style1.xml><?xml version="1.0" encoding="utf-8"?>
+<cs:chartStyle xmlns:cs="http://schemas.microsoft.com/office/drawing/2012/chartStyle" xmlns:a="http://schemas.openxmlformats.org/drawingml/2006/main" id="208">
+  <cs:axisTitle>
+    <cs:lnRef idx="0"/>
+    <cs:fillRef idx="0"/>
+    <cs:effectRef idx="0"/>
+    <cs:fontRef idx="minor">
+      <a:schemeClr val="dk1">
+        <a:lumMod val="65000"/>
+        <a:lumOff val="35000"/>
+      </a:schemeClr>
+    </cs:fontRef>
+    <cs:defRPr sz="900" b="1" kern="1200"/>
+  </cs:axisTitle>
+  <cs:categoryAxis>
+    <cs:lnRef idx="0"/>
+    <cs:fillRef idx="0"/>
+    <cs:effectRef idx="0"/>
+    <cs:fontRef idx="minor">
+      <a:schemeClr val="dk1">
+        <a:lumMod val="65000"/>
+        <a:lumOff val="35000"/>
+      </a:schemeClr>
+    </cs:fontRef>
+    <cs:spPr>
+      <a:ln w="9525" cap="flat" cmpd="sng" algn="ctr">
+        <a:solidFill>
+          <a:schemeClr val="dk1">
+            <a:lumMod val="15000"/>
+            <a:lumOff val="85000"/>
+          </a:schemeClr>
+        </a:solidFill>
+        <a:round/>
+      </a:ln>
+    </cs:spPr>
+    <cs:defRPr sz="900" kern="1200" cap="none" spc="0" normalizeH="0" baseline="0"/>
+  </cs:categoryAxis>
+  <cs:chartArea>
+    <cs:lnRef idx="0"/>
+    <cs:fillRef idx="0"/>
+    <cs:effectRef idx="0"/>
+    <cs:fontRef idx="minor">
+      <a:schemeClr val="dk1"/>
+    </cs:fontRef>
+    <cs:spPr>
+      <a:solidFill>
+        <a:schemeClr val="lt1"/>
+      </a:solidFill>
+      <a:ln w="9525" cap="flat" cmpd="sng" algn="ctr">
+        <a:solidFill>
+          <a:schemeClr val="dk1">
+            <a:lumMod val="15000"/>
+            <a:lumOff val="85000"/>
+          </a:schemeClr>
+        </a:solidFill>
+        <a:round/>
+      </a:ln>
+    </cs:spPr>
+    <cs:defRPr sz="900" kern="1200"/>
+  </cs:chartArea>
+  <cs:dataLabel>
+    <cs:lnRef idx="0"/>
+    <cs:fillRef idx="0"/>
+    <cs:effectRef idx="0"/>
+    <cs:fontRef idx="minor">
+      <a:schemeClr val="dk1">
+        <a:lumMod val="75000"/>
+        <a:lumOff val="25000"/>
+      </a:schemeClr>
+    </cs:fontRef>
+    <cs:defRPr sz="900" kern="1200"/>
+  </cs:dataLabel>
+  <cs:dataLabelCallout>
+    <cs:lnRef idx="0"/>
+    <cs:fillRef idx="0"/>
+    <cs:effectRef idx="0"/>
+    <cs:fontRef idx="minor">
+      <a:schemeClr val="dk1">
+        <a:lumMod val="65000"/>
+        <a:lumOff val="35000"/>
+      </a:schemeClr>
+    </cs:fontRef>
+    <cs:spPr>
+      <a:solidFill>
+        <a:schemeClr val="lt1"/>
+      </a:solidFill>
+      <a:ln>
+        <a:solidFill>
+          <a:schemeClr val="dk1">
+            <a:lumMod val="25000"/>
+            <a:lumOff val="75000"/>
+          </a:schemeClr>
+        </a:solidFill>
+      </a:ln>
+    </cs:spPr>
+    <cs:defRPr sz="900" kern="1200"/>
+    <cs:bodyPr rot="0" spcFirstLastPara="1" vertOverflow="clip" horzOverflow="clip" vert="horz" wrap="square" lIns="36576" tIns="18288" rIns="36576" bIns="18288" anchor="ctr" anchorCtr="1">
+      <a:spAutoFit/>
+    </cs:bodyPr>
+  </cs:dataLabelCallout>
+  <cs:dataPoint>
+    <cs:lnRef idx="0"/>
+    <cs:fillRef idx="0">
+      <cs:styleClr val="auto"/>
+    </cs:fillRef>
+    <cs:effectRef idx="0"/>
+    <cs:fontRef idx="minor">
+      <a:schemeClr val="dk1"/>
+    </cs:fontRef>
+    <cs:spPr>
+      <a:solidFill>
+        <a:schemeClr val="phClr"/>
+      </a:solidFill>
+    </cs:spPr>
+  </cs:dataPoint>
+  <cs:dataPoint3D>
+    <cs:lnRef idx="0"/>
+    <cs:fillRef idx="0">
+      <cs:styleClr val="auto"/>
+    </cs:fillRef>
+    <cs:effectRef idx="0"/>
+    <cs:fontRef idx="minor">
+      <a:schemeClr val="dk1"/>
+    </cs:fontRef>
+    <cs:spPr>
+      <a:solidFill>
+        <a:schemeClr val="phClr"/>
+      </a:solidFill>
+    </cs:spPr>
+  </cs:dataPoint3D>
+  <cs:dataPointLine>
+    <cs:lnRef idx="0">
+      <cs:styleClr val="auto"/>
+    </cs:lnRef>
+    <cs:fillRef idx="0"/>
+    <cs:effectRef idx="0"/>
+    <cs:fontRef idx="minor">
+      <a:schemeClr val="dk1"/>
+    </cs:fontRef>
+    <cs:spPr>
+      <a:ln w="22225" cap="rnd">
+        <a:solidFill>
+          <a:schemeClr val="phClr"/>
+        </a:solidFill>
+        <a:round/>
+      </a:ln>
+    </cs:spPr>
+  </cs:dataPointLine>
+  <cs:dataPointMarker>
+    <cs:lnRef idx="0">
+      <cs:styleClr val="auto"/>
+    </cs:lnRef>
+    <cs:fillRef idx="0">
+      <cs:styleClr val="auto"/>
+    </cs:fillRef>
+    <cs:effectRef idx="0"/>
+    <cs:fontRef idx="minor">
+      <a:schemeClr val="dk1"/>
+    </cs:fontRef>
+    <cs:spPr>
+      <a:solidFill>
+        <a:schemeClr val="lt1"/>
+      </a:solidFill>
+      <a:ln w="15875">
+        <a:solidFill>
+          <a:schemeClr val="phClr"/>
+        </a:solidFill>
+        <a:round/>
+      </a:ln>
+    </cs:spPr>
+  </cs:dataPointMarker>
+  <cs:dataPointMarkerLayout symbol="circle" size="6"/>
+  <cs:dataPointWireframe>
+    <cs:lnRef idx="0">
+      <cs:styleClr val="auto"/>
+    </cs:lnRef>
+    <cs:fillRef idx="0"/>
+    <cs:effectRef idx="0"/>
+    <cs:fontRef idx="minor">
+      <a:schemeClr val="dk1"/>
+    </cs:fontRef>
+    <cs:spPr>
+      <a:ln w="9525" cap="rnd">
+        <a:solidFill>
+          <a:schemeClr val="phClr"/>
+        </a:solidFill>
+        <a:round/>
+      </a:ln>
+    </cs:spPr>
+  </cs:dataPointWireframe>
+  <cs:dataTable>
+    <cs:lnRef idx="0"/>
+    <cs:fillRef idx="0"/>
+    <cs:effectRef idx="0"/>
+    <cs:fontRef idx="minor">
+      <a:schemeClr val="dk1">
+        <a:lumMod val="65000"/>
+        <a:lumOff val="35000"/>
+      </a:schemeClr>
+    </cs:fontRef>
+    <cs:spPr>
+      <a:ln w="9525" cap="flat" cmpd="sng" algn="ctr">
+        <a:solidFill>
+          <a:schemeClr val="dk1">
+            <a:lumMod val="15000"/>
+            <a:lumOff val="85000"/>
+          </a:schemeClr>
+        </a:solidFill>
+        <a:round/>
+      </a:ln>
+    </cs:spPr>
+    <cs:defRPr sz="800" kern="1200"/>
+  </cs:dataTable>
+  <cs:downBar>
+    <cs:lnRef idx="0"/>
+    <cs:fillRef idx="0"/>
+    <cs:effectRef idx="0"/>
+    <cs:fontRef idx="minor">
+      <a:schemeClr val="dk1"/>
+    </cs:fontRef>
+    <cs:spPr>
+      <a:solidFill>
+        <a:schemeClr val="dk1">
+          <a:lumMod val="75000"/>
+          <a:lumOff val="25000"/>
+        </a:schemeClr>
+      </a:solidFill>
+      <a:ln w="9525" cap="flat" cmpd="sng" algn="ctr">
+        <a:solidFill>
+          <a:schemeClr val="dk1">
+            <a:lumMod val="50000"/>
+            <a:lumOff val="50000"/>
+          </a:schemeClr>
+        </a:solidFill>
+        <a:round/>
+      </a:ln>
+    </cs:spPr>
+  </cs:downBar>
+  <cs:dropLine>
+    <cs:lnRef idx="0"/>
+    <cs:fillRef idx="0"/>
+    <cs:effectRef idx="0"/>
+    <cs:fontRef idx="minor">
+      <a:schemeClr val="dk1"/>
+    </cs:fontRef>
+    <cs:spPr>
+      <a:ln w="9525" cap="flat" cmpd="sng" algn="ctr">
+        <a:solidFill>
+          <a:schemeClr val="dk1">
+            <a:lumMod val="35000"/>
+            <a:lumOff val="65000"/>
+          </a:schemeClr>
+        </a:solidFill>
+        <a:round/>
+      </a:ln>
+    </cs:spPr>
+  </cs:dropLine>
+  <cs:errorBar>
+    <cs:lnRef idx="0"/>
+    <cs:fillRef idx="0"/>
+    <cs:effectRef idx="0"/>
+    <cs:fontRef idx="minor">
+      <a:schemeClr val="dk1"/>
+    </cs:fontRef>
+    <cs:spPr>
+      <a:ln w="9525" cap="flat" cmpd="sng" algn="ctr">
+        <a:solidFill>
+          <a:schemeClr val="dk1">
+            <a:lumMod val="50000"/>
+            <a:lumOff val="50000"/>
+          </a:schemeClr>
+        </a:solidFill>
+        <a:round/>
+      </a:ln>
+    </cs:spPr>
+  </cs:errorBar>
+  <cs:floor>
+    <cs:lnRef idx="0"/>
+    <cs:fillRef idx="0"/>
+    <cs:effectRef idx="0"/>
+    <cs:fontRef idx="minor">
+      <a:schemeClr val="dk1"/>
+    </cs:fontRef>
+    <cs:spPr>
+      <a:pattFill prst="ltDnDiag">
+        <a:fgClr>
+          <a:schemeClr val="dk1">
+            <a:lumMod val="15000"/>
+            <a:lumOff val="85000"/>
+          </a:schemeClr>
+        </a:fgClr>
+        <a:bgClr>
+          <a:schemeClr val="lt1"/>
+        </a:bgClr>
+      </a:pattFill>
+    </cs:spPr>
+  </cs:floor>
+  <cs:gridlineMajor>
+    <cs:lnRef idx="0"/>
+    <cs:fillRef idx="0"/>
+    <cs:effectRef idx="0"/>
+    <cs:fontRef idx="minor">
+      <a:schemeClr val="dk1"/>
+    </cs:fontRef>
+    <cs:spPr>
+      <a:ln w="9525" cap="flat" cmpd="sng" algn="ctr">
+        <a:solidFill>
+          <a:schemeClr val="dk1">
+            <a:lumMod val="15000"/>
+            <a:lumOff val="85000"/>
+          </a:schemeClr>
+        </a:solidFill>
+        <a:round/>
+      </a:ln>
+    </cs:spPr>
+  </cs:gridlineMajor>
+  <cs:gridlineMinor>
+    <cs:lnRef idx="0"/>
+    <cs:fillRef idx="0"/>
+    <cs:effectRef idx="0"/>
+    <cs:fontRef idx="minor">
+      <a:schemeClr val="dk1"/>
+    </cs:fontRef>
+    <cs:spPr>
+      <a:ln w="9525" cap="flat" cmpd="sng" algn="ctr">
+        <a:solidFill>
+          <a:schemeClr val="dk1">
+            <a:lumMod val="5000"/>
+            <a:lumOff val="95000"/>
+          </a:schemeClr>
+        </a:solidFill>
+        <a:round/>
+      </a:ln>
+    </cs:spPr>
+  </cs:gridlineMinor>
+  <cs:hiLoLine>
+    <cs:lnRef idx="0"/>
+    <cs:fillRef idx="0"/>
+    <cs:effectRef idx="0"/>
+    <cs:fontRef idx="minor">
+      <a:schemeClr val="dk1"/>
+    </cs:fontRef>
+    <cs:spPr>
+      <a:ln w="9525" cap="flat" cmpd="sng" algn="ctr">
+        <a:solidFill>
+          <a:schemeClr val="dk1">
+            <a:lumMod val="35000"/>
+            <a:lumOff val="65000"/>
+          </a:schemeClr>
+        </a:solidFill>
+        <a:round/>
+      </a:ln>
+    </cs:spPr>
+  </cs:hiLoLine>
+  <cs:leaderLine>
+    <cs:lnRef idx="0"/>
+    <cs:fillRef idx="0"/>
+    <cs:effectRef idx="0"/>
+    <cs:fontRef idx="minor">
+      <a:schemeClr val="dk1"/>
+    </cs:fontRef>
+    <cs:spPr>
+      <a:ln w="9525" cap="flat" cmpd="sng" algn="ctr">
+        <a:solidFill>
+          <a:schemeClr val="dk1">
+            <a:lumMod val="35000"/>
+            <a:lumOff val="65000"/>
+          </a:schemeClr>
+        </a:solidFill>
+        <a:round/>
+      </a:ln>
+    </cs:spPr>
+  </cs:leaderLine>
+  <cs:legend>
+    <cs:lnRef idx="0"/>
+    <cs:fillRef idx="0"/>
+    <cs:effectRef idx="0"/>
+    <cs:fontRef idx="minor">
+      <a:schemeClr val="dk1">
+        <a:lumMod val="65000"/>
+        <a:lumOff val="35000"/>
+      </a:schemeClr>
+    </cs:fontRef>
+    <cs:defRPr sz="900" kern="1200"/>
+  </cs:legend>
+  <cs:plotArea>
+    <cs:lnRef idx="0"/>
+    <cs:fillRef idx="0"/>
+    <cs:effectRef idx="0"/>
+    <cs:fontRef idx="minor">
+      <a:schemeClr val="dk1"/>
+    </cs:fontRef>
+    <cs:spPr>
+      <a:pattFill prst="ltDnDiag">
+        <a:fgClr>
+          <a:schemeClr val="dk1">
+            <a:lumMod val="15000"/>
+            <a:lumOff val="85000"/>
+          </a:schemeClr>
+        </a:fgClr>
+        <a:bgClr>
+          <a:schemeClr val="lt1"/>
+        </a:bgClr>
+      </a:pattFill>
+    </cs:spPr>
+  </cs:plotArea>
+  <cs:plotArea3D>
+    <cs:lnRef idx="0"/>
+    <cs:fillRef idx="0"/>
+    <cs:effectRef idx="0"/>
+    <cs:fontRef idx="minor">
+      <a:schemeClr val="dk1"/>
+    </cs:fontRef>
+    <cs:spPr>
+      <a:solidFill>
+        <a:schemeClr val="lt1"/>
+      </a:solidFill>
+    </cs:spPr>
+  </cs:plotArea3D>
+  <cs:seriesAxis>
+    <cs:lnRef idx="0"/>
+    <cs:fillRef idx="0"/>
+    <cs:effectRef idx="0"/>
+    <cs:fontRef idx="minor">
+      <a:schemeClr val="dk1">
+        <a:lumMod val="65000"/>
+        <a:lumOff val="35000"/>
+      </a:schemeClr>
+    </cs:fontRef>
+    <cs:defRPr sz="900" kern="1200"/>
+  </cs:seriesAxis>
+  <cs:seriesLine>
+    <cs:lnRef idx="0"/>
+    <cs:fillRef idx="0"/>
+    <cs:effectRef idx="0"/>
+    <cs:fontRef idx="minor">
+      <a:schemeClr val="dk1"/>
+    </cs:fontRef>
+    <cs:spPr>
+      <a:ln w="9525" cap="flat" cmpd="sng" algn="ctr">
+        <a:solidFill>
+          <a:schemeClr val="dk1">
+            <a:lumMod val="35000"/>
+            <a:lumOff val="65000"/>
+          </a:schemeClr>
+        </a:solidFill>
+        <a:round/>
+      </a:ln>
+    </cs:spPr>
+  </cs:seriesLine>
+  <cs:title>
+    <cs:lnRef idx="0"/>
+    <cs:fillRef idx="0"/>
+    <cs:effectRef idx="0"/>
+    <cs:fontRef idx="major">
+      <a:schemeClr val="dk1">
+        <a:lumMod val="50000"/>
+        <a:lumOff val="50000"/>
+      </a:schemeClr>
+    </cs:fontRef>
+    <cs:defRPr sz="1600" b="1" kern="1200" cap="none" spc="0" normalizeH="0" baseline="0"/>
+  </cs:title>
+  <cs:trendline>
+    <cs:lnRef idx="0">
+      <cs:styleClr val="auto"/>
+    </cs:lnRef>
+    <cs:fillRef idx="0"/>
+    <cs:effectRef idx="0"/>
+    <cs:fontRef idx="minor">
+      <a:schemeClr val="dk1"/>
+    </cs:fontRef>
+    <cs:spPr>
+      <a:ln w="19050" cap="rnd">
+        <a:solidFill>
+          <a:schemeClr val="phClr"/>
+        </a:solidFill>
+      </a:ln>
+    </cs:spPr>
+  </cs:trendline>
+  <cs:trendlineLabel>
+    <cs:lnRef idx="0"/>
+    <cs:fillRef idx="0"/>
+    <cs:effectRef idx="0"/>
+    <cs:fontRef idx="minor">
+      <a:schemeClr val="dk1">
+        <a:lumMod val="65000"/>
+        <a:lumOff val="35000"/>
+      </a:schemeClr>
+    </cs:fontRef>
+    <cs:defRPr sz="900" kern="1200"/>
+  </cs:trendlineLabel>
+  <cs:upBar>
+    <cs:lnRef idx="0"/>
+    <cs:fillRef idx="0"/>
+    <cs:effectRef idx="0"/>
+    <cs:fontRef idx="minor">
+      <a:schemeClr val="dk1"/>
+    </cs:fontRef>
+    <cs:spPr>
+      <a:solidFill>
+        <a:schemeClr val="lt1"/>
+      </a:solidFill>
+      <a:ln w="9525" cap="flat" cmpd="sng" algn="ctr">
+        <a:solidFill>
+          <a:schemeClr val="dk1">
+            <a:lumMod val="50000"/>
+            <a:lumOff val="50000"/>
+          </a:schemeClr>
+        </a:solidFill>
+        <a:round/>
+      </a:ln>
+    </cs:spPr>
+  </cs:upBar>
+  <cs:valueAxis>
+    <cs:lnRef idx="0"/>
+    <cs:fillRef idx="0"/>
+    <cs:effectRef idx="0"/>
+    <cs:fontRef idx="minor">
+      <a:schemeClr val="dk1">
+        <a:lumMod val="65000"/>
+        <a:lumOff val="35000"/>
+      </a:schemeClr>
+    </cs:fontRef>
+    <cs:defRPr sz="900" kern="1200"/>
+  </cs:valueAxis>
+  <cs:wall>
+    <cs:lnRef idx="0"/>
+    <cs:fillRef idx="0"/>
+    <cs:effectRef idx="0"/>
+    <cs:fontRef idx="minor">
+      <a:schemeClr val="dk1"/>
+    </cs:fontRef>
+    <cs:spPr>
+      <a:pattFill prst="ltDnDiag">
+        <a:fgClr>
+          <a:schemeClr val="dk1">
+            <a:lumMod val="15000"/>
+            <a:lumOff val="85000"/>
+          </a:schemeClr>
+        </a:fgClr>
+        <a:bgClr>
+          <a:schemeClr val="lt1"/>
+        </a:bgClr>
+      </a:pattFill>
+    </cs:spPr>
+  </cs:wall>
+</cs:chartStyle>
+</file>
+
 <file path=ppt/slideLayouts/slideLayout1.xml><?xml version="1.0" encoding="utf-8"?>
 <p:sldLayout xmlns:a="http://schemas.openxmlformats.org/drawingml/2006/main" xmlns:r="http://schemas.openxmlformats.org/officeDocument/2006/relationships" xmlns:p="http://schemas.openxmlformats.org/presentationml/2006/main" type="title" preserve="1">
   <p:cSld name="Title Slide">
@@ -261,7 +1819,7 @@
           <a:p>
             <a:fld id="{6D892D68-995E-4539-9486-B6D10005290E}" type="datetimeFigureOut">
               <a:rPr lang="vi-VN" smtClean="0"/>
-              <a:t>08/04/2014</a:t>
+              <a:t>09/04/2014</a:t>
             </a:fld>
             <a:endParaRPr lang="vi-VN"/>
           </a:p>
@@ -431,7 +1989,7 @@
           <a:p>
             <a:fld id="{6D892D68-995E-4539-9486-B6D10005290E}" type="datetimeFigureOut">
               <a:rPr lang="vi-VN" smtClean="0"/>
-              <a:t>08/04/2014</a:t>
+              <a:t>09/04/2014</a:t>
             </a:fld>
             <a:endParaRPr lang="vi-VN"/>
           </a:p>
@@ -611,7 +2169,7 @@
           <a:p>
             <a:fld id="{6D892D68-995E-4539-9486-B6D10005290E}" type="datetimeFigureOut">
               <a:rPr lang="vi-VN" smtClean="0"/>
-              <a:t>08/04/2014</a:t>
+              <a:t>09/04/2014</a:t>
             </a:fld>
             <a:endParaRPr lang="vi-VN"/>
           </a:p>
@@ -781,7 +2339,7 @@
           <a:p>
             <a:fld id="{6D892D68-995E-4539-9486-B6D10005290E}" type="datetimeFigureOut">
               <a:rPr lang="vi-VN" smtClean="0"/>
-              <a:t>08/04/2014</a:t>
+              <a:t>09/04/2014</a:t>
             </a:fld>
             <a:endParaRPr lang="vi-VN"/>
           </a:p>
@@ -1027,7 +2585,7 @@
           <a:p>
             <a:fld id="{6D892D68-995E-4539-9486-B6D10005290E}" type="datetimeFigureOut">
               <a:rPr lang="vi-VN" smtClean="0"/>
-              <a:t>08/04/2014</a:t>
+              <a:t>09/04/2014</a:t>
             </a:fld>
             <a:endParaRPr lang="vi-VN"/>
           </a:p>
@@ -1259,7 +2817,7 @@
           <a:p>
             <a:fld id="{6D892D68-995E-4539-9486-B6D10005290E}" type="datetimeFigureOut">
               <a:rPr lang="vi-VN" smtClean="0"/>
-              <a:t>08/04/2014</a:t>
+              <a:t>09/04/2014</a:t>
             </a:fld>
             <a:endParaRPr lang="vi-VN"/>
           </a:p>
@@ -1626,7 +3184,7 @@
           <a:p>
             <a:fld id="{6D892D68-995E-4539-9486-B6D10005290E}" type="datetimeFigureOut">
               <a:rPr lang="vi-VN" smtClean="0"/>
-              <a:t>08/04/2014</a:t>
+              <a:t>09/04/2014</a:t>
             </a:fld>
             <a:endParaRPr lang="vi-VN"/>
           </a:p>
@@ -1744,7 +3302,7 @@
           <a:p>
             <a:fld id="{6D892D68-995E-4539-9486-B6D10005290E}" type="datetimeFigureOut">
               <a:rPr lang="vi-VN" smtClean="0"/>
-              <a:t>08/04/2014</a:t>
+              <a:t>09/04/2014</a:t>
             </a:fld>
             <a:endParaRPr lang="vi-VN"/>
           </a:p>
@@ -1839,7 +3397,7 @@
           <a:p>
             <a:fld id="{6D892D68-995E-4539-9486-B6D10005290E}" type="datetimeFigureOut">
               <a:rPr lang="vi-VN" smtClean="0"/>
-              <a:t>08/04/2014</a:t>
+              <a:t>09/04/2014</a:t>
             </a:fld>
             <a:endParaRPr lang="vi-VN"/>
           </a:p>
@@ -2116,7 +3674,7 @@
           <a:p>
             <a:fld id="{6D892D68-995E-4539-9486-B6D10005290E}" type="datetimeFigureOut">
               <a:rPr lang="vi-VN" smtClean="0"/>
-              <a:t>08/04/2014</a:t>
+              <a:t>09/04/2014</a:t>
             </a:fld>
             <a:endParaRPr lang="vi-VN"/>
           </a:p>
@@ -2369,7 +3927,7 @@
           <a:p>
             <a:fld id="{6D892D68-995E-4539-9486-B6D10005290E}" type="datetimeFigureOut">
               <a:rPr lang="vi-VN" smtClean="0"/>
-              <a:t>08/04/2014</a:t>
+              <a:t>09/04/2014</a:t>
             </a:fld>
             <a:endParaRPr lang="vi-VN"/>
           </a:p>
@@ -2582,7 +4140,7 @@
           <a:p>
             <a:fld id="{6D892D68-995E-4539-9486-B6D10005290E}" type="datetimeFigureOut">
               <a:rPr lang="vi-VN" smtClean="0"/>
-              <a:t>08/04/2014</a:t>
+              <a:t>09/04/2014</a:t>
             </a:fld>
             <a:endParaRPr lang="vi-VN"/>
           </a:p>
@@ -3107,31 +4665,7 @@
                 <a:latin typeface="Arial" panose="020B0604020202020204" pitchFamily="34" charset="0"/>
                 <a:cs typeface="Arial" panose="020B0604020202020204" pitchFamily="34" charset="0"/>
               </a:rPr>
-              <a:t>Week </a:t>
-            </a:r>
-            <a:r>
-              <a:rPr lang="en-US" sz="2000" dirty="0" smtClean="0">
-                <a:solidFill>
-                  <a:schemeClr val="accent5">
-                    <a:lumMod val="50000"/>
-                  </a:schemeClr>
-                </a:solidFill>
-                <a:latin typeface="Arial" panose="020B0604020202020204" pitchFamily="34" charset="0"/>
-                <a:cs typeface="Arial" panose="020B0604020202020204" pitchFamily="34" charset="0"/>
-              </a:rPr>
-              <a:t>22(3/4/2014-9/4/2014</a:t>
-            </a:r>
-            <a:r>
-              <a:rPr lang="en-US" sz="2000" dirty="0" smtClean="0">
-                <a:solidFill>
-                  <a:schemeClr val="accent5">
-                    <a:lumMod val="50000"/>
-                  </a:schemeClr>
-                </a:solidFill>
-                <a:latin typeface="Arial" panose="020B0604020202020204" pitchFamily="34" charset="0"/>
-                <a:cs typeface="Arial" panose="020B0604020202020204" pitchFamily="34" charset="0"/>
-              </a:rPr>
-              <a:t>)</a:t>
+              <a:t>Week 22(3/4/2014-9/4/2014)</a:t>
             </a:r>
           </a:p>
           <a:p>
@@ -4018,13 +5552,13 @@
       </p:sp>
       <p:sp>
         <p:nvSpPr>
-          <p:cNvPr id="11" name="Rectangle 10"/>
+          <p:cNvPr id="12" name="Rectangle 11"/>
           <p:cNvSpPr/>
           <p:nvPr/>
         </p:nvSpPr>
         <p:spPr>
           <a:xfrm>
-            <a:off x="1784350" y="2443302"/>
+            <a:off x="1784349" y="5231984"/>
             <a:ext cx="4701863" cy="369332"/>
           </a:xfrm>
           <a:prstGeom prst="rect">
@@ -4043,11 +5577,19 @@
             </a:pPr>
             <a:r>
               <a:rPr lang="en-US" dirty="0" smtClean="0"/>
-              <a:t>Coding </a:t>
+              <a:t>Complete Detail design for </a:t>
             </a:r>
             <a:r>
               <a:rPr lang="en-US" dirty="0" err="1" smtClean="0"/>
-              <a:t>công</a:t>
+              <a:t>cong</a:t>
+            </a:r>
+            <a:r>
+              <a:rPr lang="en-US" dirty="0" smtClean="0"/>
+              <a:t> cu </a:t>
+            </a:r>
+            <a:r>
+              <a:rPr lang="en-US" dirty="0" err="1" smtClean="0"/>
+              <a:t>hiển</a:t>
             </a:r>
             <a:r>
               <a:rPr lang="en-US" dirty="0" smtClean="0"/>
@@ -4055,142 +5597,654 @@
             </a:r>
             <a:r>
               <a:rPr lang="en-US" dirty="0" err="1" smtClean="0"/>
-              <a:t>cụ</a:t>
+              <a:t>thị</a:t>
             </a:r>
             <a:r>
               <a:rPr lang="en-US" dirty="0" smtClean="0"/>
               <a:t> </a:t>
             </a:r>
-            <a:r>
-              <a:rPr lang="en-US" dirty="0" err="1" smtClean="0"/>
-              <a:t>quản</a:t>
-            </a:r>
-            <a:r>
-              <a:rPr lang="en-US" dirty="0" smtClean="0"/>
-              <a:t> </a:t>
-            </a:r>
-            <a:r>
-              <a:rPr lang="en-US" dirty="0" err="1" smtClean="0"/>
-              <a:t>trị</a:t>
-            </a:r>
             <a:endParaRPr lang="en-US" dirty="0" smtClean="0"/>
           </a:p>
         </p:txBody>
       </p:sp>
-      <p:sp>
-        <p:nvSpPr>
-          <p:cNvPr id="10" name="Rectangle 9"/>
-          <p:cNvSpPr/>
-          <p:nvPr/>
-        </p:nvSpPr>
-        <p:spPr>
-          <a:xfrm>
-            <a:off x="1784349" y="3195916"/>
-            <a:ext cx="4701863" cy="369332"/>
-          </a:xfrm>
-          <a:prstGeom prst="rect">
-            <a:avLst/>
-          </a:prstGeom>
-        </p:spPr>
-        <p:txBody>
-          <a:bodyPr wrap="square">
-            <a:spAutoFit/>
-          </a:bodyPr>
-          <a:lstStyle/>
-          <a:p>
-            <a:pPr marL="285750" indent="-285750">
-              <a:buFont typeface="Wingdings" panose="05000000000000000000" pitchFamily="2" charset="2"/>
-              <a:buChar char="q"/>
-            </a:pPr>
-            <a:r>
-              <a:rPr lang="en-US" dirty="0"/>
-              <a:t>Coding </a:t>
-            </a:r>
-            <a:r>
-              <a:rPr lang="en-US" dirty="0" err="1"/>
-              <a:t>công</a:t>
-            </a:r>
-            <a:r>
-              <a:rPr lang="en-US" dirty="0"/>
-              <a:t> </a:t>
-            </a:r>
-            <a:r>
-              <a:rPr lang="en-US" dirty="0" err="1"/>
-              <a:t>cụ</a:t>
-            </a:r>
-            <a:r>
-              <a:rPr lang="en-US" dirty="0"/>
-              <a:t> </a:t>
-            </a:r>
-            <a:r>
-              <a:rPr lang="en-US" dirty="0" err="1" smtClean="0"/>
-              <a:t>hiển</a:t>
-            </a:r>
-            <a:r>
-              <a:rPr lang="en-US" dirty="0" smtClean="0"/>
-              <a:t> </a:t>
-            </a:r>
-            <a:r>
-              <a:rPr lang="en-US" dirty="0" err="1" smtClean="0"/>
-              <a:t>trị</a:t>
-            </a:r>
-            <a:endParaRPr lang="en-US" dirty="0"/>
-          </a:p>
-        </p:txBody>
-      </p:sp>
-      <p:sp>
-        <p:nvSpPr>
-          <p:cNvPr id="12" name="Rectangle 11"/>
-          <p:cNvSpPr/>
-          <p:nvPr/>
-        </p:nvSpPr>
-        <p:spPr>
-          <a:xfrm>
-            <a:off x="1784348" y="3948530"/>
-            <a:ext cx="4701863" cy="369332"/>
-          </a:xfrm>
-          <a:prstGeom prst="rect">
-            <a:avLst/>
-          </a:prstGeom>
-        </p:spPr>
-        <p:txBody>
-          <a:bodyPr wrap="square">
-            <a:spAutoFit/>
-          </a:bodyPr>
-          <a:lstStyle/>
-          <a:p>
-            <a:pPr marL="285750" indent="-285750">
-              <a:buFont typeface="Wingdings" panose="05000000000000000000" pitchFamily="2" charset="2"/>
-              <a:buChar char="q"/>
-            </a:pPr>
-            <a:r>
-              <a:rPr lang="en-US" dirty="0" smtClean="0"/>
-              <a:t>Complete Detail design for </a:t>
-            </a:r>
-            <a:r>
-              <a:rPr lang="en-US" dirty="0" err="1" smtClean="0"/>
-              <a:t>cong</a:t>
-            </a:r>
-            <a:r>
-              <a:rPr lang="en-US" dirty="0" smtClean="0"/>
-              <a:t> cu </a:t>
-            </a:r>
-            <a:r>
-              <a:rPr lang="en-US" dirty="0" err="1" smtClean="0"/>
-              <a:t>hiển</a:t>
-            </a:r>
-            <a:r>
-              <a:rPr lang="en-US" dirty="0" smtClean="0"/>
-              <a:t> </a:t>
-            </a:r>
-            <a:r>
-              <a:rPr lang="en-US" dirty="0" err="1" smtClean="0"/>
-              <a:t>thị</a:t>
-            </a:r>
-            <a:endParaRPr lang="en-US" dirty="0" smtClean="0"/>
-          </a:p>
-        </p:txBody>
-      </p:sp>
+      <p:graphicFrame>
+        <p:nvGraphicFramePr>
+          <p:cNvPr id="5" name="Table 4"/>
+          <p:cNvGraphicFramePr>
+            <a:graphicFrameLocks noGrp="1"/>
+          </p:cNvGraphicFramePr>
+          <p:nvPr>
+            <p:extLst>
+              <p:ext uri="{D42A27DB-BD31-4B8C-83A1-F6EECF244321}">
+                <p14:modId xmlns:p14="http://schemas.microsoft.com/office/powerpoint/2010/main" val="57584865"/>
+              </p:ext>
+            </p:extLst>
+          </p:nvPr>
+        </p:nvGraphicFramePr>
+        <p:xfrm>
+          <a:off x="1401288" y="1690688"/>
+          <a:ext cx="9303807" cy="3200401"/>
+        </p:xfrm>
+        <a:graphic>
+          <a:graphicData uri="http://schemas.openxmlformats.org/drawingml/2006/table">
+            <a:tbl>
+              <a:tblPr>
+                <a:tableStyleId>{5C22544A-7EE6-4342-B048-85BDC9FD1C3A}</a:tableStyleId>
+              </a:tblPr>
+              <a:tblGrid>
+                <a:gridCol w="7554452"/>
+                <a:gridCol w="1749355"/>
+              </a:tblGrid>
+              <a:tr h="323167">
+                <a:tc>
+                  <a:txBody>
+                    <a:bodyPr/>
+                    <a:lstStyle/>
+                    <a:p>
+                      <a:pPr algn="ctr" fontAlgn="b"/>
+                      <a:r>
+                        <a:rPr lang="en-US" sz="1800" u="none" strike="noStrike" dirty="0">
+                          <a:solidFill>
+                            <a:srgbClr val="FF0000"/>
+                          </a:solidFill>
+                          <a:effectLst/>
+                        </a:rPr>
+                        <a:t>Task</a:t>
+                      </a:r>
+                      <a:endParaRPr lang="en-US" sz="1800" b="0" i="0" u="none" strike="noStrike" dirty="0">
+                        <a:solidFill>
+                          <a:srgbClr val="FF0000"/>
+                        </a:solidFill>
+                        <a:effectLst/>
+                        <a:latin typeface="Times New Roman" panose="02020603050405020304" pitchFamily="18" charset="0"/>
+                      </a:endParaRPr>
+                    </a:p>
+                  </a:txBody>
+                  <a:tcPr marL="0" marR="0" marT="0" marB="0" anchor="b"/>
+                </a:tc>
+                <a:tc>
+                  <a:txBody>
+                    <a:bodyPr/>
+                    <a:lstStyle/>
+                    <a:p>
+                      <a:pPr algn="l" fontAlgn="b"/>
+                      <a:r>
+                        <a:rPr lang="en-US" sz="1800" u="none" strike="noStrike" dirty="0">
+                          <a:solidFill>
+                            <a:srgbClr val="FF0000"/>
+                          </a:solidFill>
+                          <a:effectLst/>
+                        </a:rPr>
+                        <a:t>Name</a:t>
+                      </a:r>
+                      <a:endParaRPr lang="en-US" sz="1800" b="0" i="0" u="none" strike="noStrike" dirty="0">
+                        <a:solidFill>
+                          <a:srgbClr val="FF0000"/>
+                        </a:solidFill>
+                        <a:effectLst/>
+                        <a:latin typeface="Times New Roman" panose="02020603050405020304" pitchFamily="18" charset="0"/>
+                      </a:endParaRPr>
+                    </a:p>
+                  </a:txBody>
+                  <a:tcPr marL="0" marR="0" marT="0" marB="0" anchor="b"/>
+                </a:tc>
+              </a:tr>
+              <a:tr h="260619">
+                <a:tc>
+                  <a:txBody>
+                    <a:bodyPr/>
+                    <a:lstStyle/>
+                    <a:p>
+                      <a:pPr algn="l" fontAlgn="b"/>
+                      <a:r>
+                        <a:rPr lang="en-US" sz="1400" u="none" strike="noStrike">
+                          <a:effectLst/>
+                        </a:rPr>
+                        <a:t>Implement  - Cập nhật bộ từ điển (hạ câu hỏi) </a:t>
+                      </a:r>
+                      <a:endParaRPr lang="en-US" sz="1400" b="0" i="0" u="none" strike="noStrike">
+                        <a:solidFill>
+                          <a:srgbClr val="000000"/>
+                        </a:solidFill>
+                        <a:effectLst/>
+                        <a:latin typeface="Times New Roman" panose="02020603050405020304" pitchFamily="18" charset="0"/>
+                      </a:endParaRPr>
+                    </a:p>
+                  </a:txBody>
+                  <a:tcPr marL="0" marR="0" marT="0" marB="0" anchor="b"/>
+                </a:tc>
+                <a:tc>
+                  <a:txBody>
+                    <a:bodyPr/>
+                    <a:lstStyle/>
+                    <a:p>
+                      <a:pPr algn="l" fontAlgn="b"/>
+                      <a:r>
+                        <a:rPr lang="en-US" sz="1200" u="none" strike="noStrike">
+                          <a:effectLst/>
+                        </a:rPr>
+                        <a:t>Chau Le</a:t>
+                      </a:r>
+                      <a:endParaRPr lang="en-US" sz="1200" b="0" i="0" u="none" strike="noStrike">
+                        <a:solidFill>
+                          <a:srgbClr val="000000"/>
+                        </a:solidFill>
+                        <a:effectLst/>
+                        <a:latin typeface="Times New Roman" panose="02020603050405020304" pitchFamily="18" charset="0"/>
+                      </a:endParaRPr>
+                    </a:p>
+                  </a:txBody>
+                  <a:tcPr marL="0" marR="0" marT="0" marB="0" anchor="b"/>
+                </a:tc>
+              </a:tr>
+              <a:tr h="260619">
+                <a:tc>
+                  <a:txBody>
+                    <a:bodyPr/>
+                    <a:lstStyle/>
+                    <a:p>
+                      <a:pPr algn="l" fontAlgn="b"/>
+                      <a:r>
+                        <a:rPr lang="en-US" sz="1400" u="none" strike="noStrike">
+                          <a:effectLst/>
+                        </a:rPr>
+                        <a:t>Web serivce - Gửi index</a:t>
+                      </a:r>
+                      <a:endParaRPr lang="en-US" sz="1400" b="0" i="0" u="none" strike="noStrike">
+                        <a:solidFill>
+                          <a:srgbClr val="000000"/>
+                        </a:solidFill>
+                        <a:effectLst/>
+                        <a:latin typeface="Times New Roman" panose="02020603050405020304" pitchFamily="18" charset="0"/>
+                      </a:endParaRPr>
+                    </a:p>
+                  </a:txBody>
+                  <a:tcPr marL="0" marR="0" marT="0" marB="0" anchor="b"/>
+                </a:tc>
+                <a:tc>
+                  <a:txBody>
+                    <a:bodyPr/>
+                    <a:lstStyle/>
+                    <a:p>
+                      <a:pPr algn="l" fontAlgn="b"/>
+                      <a:r>
+                        <a:rPr lang="en-US" sz="1200" u="none" strike="noStrike">
+                          <a:effectLst/>
+                        </a:rPr>
+                        <a:t>Dao Khau</a:t>
+                      </a:r>
+                      <a:endParaRPr lang="en-US" sz="1200" b="0" i="0" u="none" strike="noStrike">
+                        <a:solidFill>
+                          <a:srgbClr val="000000"/>
+                        </a:solidFill>
+                        <a:effectLst/>
+                        <a:latin typeface="Times New Roman" panose="02020603050405020304" pitchFamily="18" charset="0"/>
+                      </a:endParaRPr>
+                    </a:p>
+                  </a:txBody>
+                  <a:tcPr marL="0" marR="0" marT="0" marB="0" anchor="b"/>
+                </a:tc>
+              </a:tr>
+              <a:tr h="260619">
+                <a:tc>
+                  <a:txBody>
+                    <a:bodyPr/>
+                    <a:lstStyle/>
+                    <a:p>
+                      <a:pPr algn="l" fontAlgn="b"/>
+                      <a:r>
+                        <a:rPr lang="fr-FR" sz="1400" u="none" strike="noStrike">
+                          <a:effectLst/>
+                        </a:rPr>
+                        <a:t>Implement - Cấu hình gửi mail- </a:t>
+                      </a:r>
+                      <a:endParaRPr lang="fr-FR" sz="1400" b="0" i="0" u="none" strike="noStrike">
+                        <a:solidFill>
+                          <a:srgbClr val="000000"/>
+                        </a:solidFill>
+                        <a:effectLst/>
+                        <a:latin typeface="Times New Roman" panose="02020603050405020304" pitchFamily="18" charset="0"/>
+                      </a:endParaRPr>
+                    </a:p>
+                  </a:txBody>
+                  <a:tcPr marL="0" marR="0" marT="0" marB="0" anchor="b"/>
+                </a:tc>
+                <a:tc>
+                  <a:txBody>
+                    <a:bodyPr/>
+                    <a:lstStyle/>
+                    <a:p>
+                      <a:pPr algn="l" fontAlgn="b"/>
+                      <a:r>
+                        <a:rPr lang="en-US" sz="1200" u="none" strike="noStrike">
+                          <a:effectLst/>
+                        </a:rPr>
+                        <a:t>Dao Khau</a:t>
+                      </a:r>
+                      <a:endParaRPr lang="en-US" sz="1200" b="0" i="0" u="none" strike="noStrike">
+                        <a:solidFill>
+                          <a:srgbClr val="000000"/>
+                        </a:solidFill>
+                        <a:effectLst/>
+                        <a:latin typeface="Times New Roman" panose="02020603050405020304" pitchFamily="18" charset="0"/>
+                      </a:endParaRPr>
+                    </a:p>
+                  </a:txBody>
+                  <a:tcPr marL="0" marR="0" marT="0" marB="0" anchor="b"/>
+                </a:tc>
+              </a:tr>
+              <a:tr h="260619">
+                <a:tc>
+                  <a:txBody>
+                    <a:bodyPr/>
+                    <a:lstStyle/>
+                    <a:p>
+                      <a:pPr algn="l" fontAlgn="b"/>
+                      <a:r>
+                        <a:rPr lang="en-US" sz="1400" u="none" strike="noStrike">
+                          <a:effectLst/>
+                        </a:rPr>
+                        <a:t>Web service - Nhận câu hỏi từ công cụ hiển thị</a:t>
+                      </a:r>
+                      <a:endParaRPr lang="en-US" sz="1400" b="0" i="0" u="none" strike="noStrike">
+                        <a:solidFill>
+                          <a:srgbClr val="000000"/>
+                        </a:solidFill>
+                        <a:effectLst/>
+                        <a:latin typeface="Times New Roman" panose="02020603050405020304" pitchFamily="18" charset="0"/>
+                      </a:endParaRPr>
+                    </a:p>
+                  </a:txBody>
+                  <a:tcPr marL="0" marR="0" marT="0" marB="0" anchor="b"/>
+                </a:tc>
+                <a:tc>
+                  <a:txBody>
+                    <a:bodyPr/>
+                    <a:lstStyle/>
+                    <a:p>
+                      <a:pPr algn="l" fontAlgn="b"/>
+                      <a:r>
+                        <a:rPr lang="en-US" sz="1200" u="none" strike="noStrike">
+                          <a:effectLst/>
+                        </a:rPr>
+                        <a:t>Huy Ngo</a:t>
+                      </a:r>
+                      <a:endParaRPr lang="en-US" sz="1200" b="0" i="0" u="none" strike="noStrike">
+                        <a:solidFill>
+                          <a:srgbClr val="000000"/>
+                        </a:solidFill>
+                        <a:effectLst/>
+                        <a:latin typeface="Times New Roman" panose="02020603050405020304" pitchFamily="18" charset="0"/>
+                      </a:endParaRPr>
+                    </a:p>
+                  </a:txBody>
+                  <a:tcPr marL="0" marR="0" marT="0" marB="0" anchor="b"/>
+                </a:tc>
+              </a:tr>
+              <a:tr h="260619">
+                <a:tc>
+                  <a:txBody>
+                    <a:bodyPr/>
+                    <a:lstStyle/>
+                    <a:p>
+                      <a:pPr algn="l" fontAlgn="b"/>
+                      <a:r>
+                        <a:rPr lang="en-US" sz="1400" u="none" strike="noStrike" dirty="0">
+                          <a:effectLst/>
+                        </a:rPr>
+                        <a:t>Test - Web </a:t>
+                      </a:r>
+                      <a:r>
+                        <a:rPr lang="en-US" sz="1400" u="none" strike="noStrike" dirty="0" err="1">
+                          <a:effectLst/>
+                        </a:rPr>
+                        <a:t>serivce</a:t>
+                      </a:r>
+                      <a:r>
+                        <a:rPr lang="en-US" sz="1400" u="none" strike="noStrike" dirty="0">
+                          <a:effectLst/>
+                        </a:rPr>
+                        <a:t> - </a:t>
+                      </a:r>
+                      <a:r>
+                        <a:rPr lang="en-US" sz="1400" u="none" strike="noStrike" dirty="0" err="1">
+                          <a:effectLst/>
+                        </a:rPr>
+                        <a:t>Gửi</a:t>
+                      </a:r>
+                      <a:r>
+                        <a:rPr lang="en-US" sz="1400" u="none" strike="noStrike" dirty="0">
+                          <a:effectLst/>
+                        </a:rPr>
+                        <a:t> index </a:t>
+                      </a:r>
+                      <a:endParaRPr lang="en-US" sz="1400" b="0" i="0" u="none" strike="noStrike" dirty="0">
+                        <a:solidFill>
+                          <a:srgbClr val="000000"/>
+                        </a:solidFill>
+                        <a:effectLst/>
+                        <a:latin typeface="Times New Roman" panose="02020603050405020304" pitchFamily="18" charset="0"/>
+                      </a:endParaRPr>
+                    </a:p>
+                  </a:txBody>
+                  <a:tcPr marL="0" marR="0" marT="0" marB="0" anchor="b"/>
+                </a:tc>
+                <a:tc>
+                  <a:txBody>
+                    <a:bodyPr/>
+                    <a:lstStyle/>
+                    <a:p>
+                      <a:pPr algn="l" fontAlgn="b"/>
+                      <a:r>
+                        <a:rPr lang="en-US" sz="1200" u="none" strike="noStrike">
+                          <a:effectLst/>
+                        </a:rPr>
+                        <a:t>Huy Nguyen</a:t>
+                      </a:r>
+                      <a:endParaRPr lang="en-US" sz="1200" b="0" i="0" u="none" strike="noStrike">
+                        <a:solidFill>
+                          <a:srgbClr val="000000"/>
+                        </a:solidFill>
+                        <a:effectLst/>
+                        <a:latin typeface="Times New Roman" panose="02020603050405020304" pitchFamily="18" charset="0"/>
+                      </a:endParaRPr>
+                    </a:p>
+                  </a:txBody>
+                  <a:tcPr marL="0" marR="0" marT="0" marB="0" anchor="b"/>
+                </a:tc>
+              </a:tr>
+              <a:tr h="260619">
+                <a:tc>
+                  <a:txBody>
+                    <a:bodyPr/>
+                    <a:lstStyle/>
+                    <a:p>
+                      <a:pPr algn="l" fontAlgn="b"/>
+                      <a:r>
+                        <a:rPr lang="en-US" sz="1400" u="none" strike="noStrike">
+                          <a:effectLst/>
+                        </a:rPr>
+                        <a:t>Implement - Điểu chỉnh hiển thị các items trong danh sách </a:t>
+                      </a:r>
+                      <a:endParaRPr lang="en-US" sz="1400" b="0" i="0" u="none" strike="noStrike">
+                        <a:solidFill>
+                          <a:srgbClr val="000000"/>
+                        </a:solidFill>
+                        <a:effectLst/>
+                        <a:latin typeface="Times New Roman" panose="02020603050405020304" pitchFamily="18" charset="0"/>
+                      </a:endParaRPr>
+                    </a:p>
+                  </a:txBody>
+                  <a:tcPr marL="0" marR="0" marT="0" marB="0" anchor="b"/>
+                </a:tc>
+                <a:tc>
+                  <a:txBody>
+                    <a:bodyPr/>
+                    <a:lstStyle/>
+                    <a:p>
+                      <a:pPr algn="l" fontAlgn="b"/>
+                      <a:r>
+                        <a:rPr lang="en-US" sz="1200" u="none" strike="noStrike">
+                          <a:effectLst/>
+                        </a:rPr>
+                        <a:t>Khang Huynh</a:t>
+                      </a:r>
+                      <a:endParaRPr lang="en-US" sz="1200" b="0" i="0" u="none" strike="noStrike">
+                        <a:solidFill>
+                          <a:srgbClr val="000000"/>
+                        </a:solidFill>
+                        <a:effectLst/>
+                        <a:latin typeface="Times New Roman" panose="02020603050405020304" pitchFamily="18" charset="0"/>
+                      </a:endParaRPr>
+                    </a:p>
+                  </a:txBody>
+                  <a:tcPr marL="0" marR="0" marT="0" marB="0" anchor="b"/>
+                </a:tc>
+              </a:tr>
+              <a:tr h="260619">
+                <a:tc>
+                  <a:txBody>
+                    <a:bodyPr/>
+                    <a:lstStyle/>
+                    <a:p>
+                      <a:pPr algn="l" fontAlgn="b"/>
+                      <a:r>
+                        <a:rPr lang="vi-VN" sz="1400" u="none" strike="noStrike">
+                          <a:effectLst/>
+                        </a:rPr>
+                        <a:t>Implement - Đưa vào từ điển</a:t>
+                      </a:r>
+                      <a:endParaRPr lang="vi-VN" sz="1400" b="0" i="0" u="none" strike="noStrike">
+                        <a:solidFill>
+                          <a:srgbClr val="000000"/>
+                        </a:solidFill>
+                        <a:effectLst/>
+                        <a:latin typeface="Times New Roman" panose="02020603050405020304" pitchFamily="18" charset="0"/>
+                      </a:endParaRPr>
+                    </a:p>
+                  </a:txBody>
+                  <a:tcPr marL="0" marR="0" marT="0" marB="0" anchor="b"/>
+                </a:tc>
+                <a:tc>
+                  <a:txBody>
+                    <a:bodyPr/>
+                    <a:lstStyle/>
+                    <a:p>
+                      <a:pPr algn="l" fontAlgn="b"/>
+                      <a:r>
+                        <a:rPr lang="en-US" sz="1200" u="none" strike="noStrike">
+                          <a:effectLst/>
+                        </a:rPr>
+                        <a:t>Khang Huynh</a:t>
+                      </a:r>
+                      <a:endParaRPr lang="en-US" sz="1200" b="0" i="0" u="none" strike="noStrike">
+                        <a:solidFill>
+                          <a:srgbClr val="000000"/>
+                        </a:solidFill>
+                        <a:effectLst/>
+                        <a:latin typeface="Times New Roman" panose="02020603050405020304" pitchFamily="18" charset="0"/>
+                      </a:endParaRPr>
+                    </a:p>
+                  </a:txBody>
+                  <a:tcPr marL="0" marR="0" marT="0" marB="0" anchor="b"/>
+                </a:tc>
+              </a:tr>
+              <a:tr h="260619">
+                <a:tc>
+                  <a:txBody>
+                    <a:bodyPr/>
+                    <a:lstStyle/>
+                    <a:p>
+                      <a:pPr algn="l" fontAlgn="b"/>
+                      <a:r>
+                        <a:rPr lang="en-US" sz="1400" u="none" strike="noStrike">
+                          <a:effectLst/>
+                        </a:rPr>
+                        <a:t>Implement - Tìm kiếm trên công cụ quản trị bộ từ điển</a:t>
+                      </a:r>
+                      <a:endParaRPr lang="en-US" sz="1400" b="0" i="0" u="none" strike="noStrike">
+                        <a:solidFill>
+                          <a:srgbClr val="000000"/>
+                        </a:solidFill>
+                        <a:effectLst/>
+                        <a:latin typeface="Times New Roman" panose="02020603050405020304" pitchFamily="18" charset="0"/>
+                      </a:endParaRPr>
+                    </a:p>
+                  </a:txBody>
+                  <a:tcPr marL="0" marR="0" marT="0" marB="0" anchor="b"/>
+                </a:tc>
+                <a:tc>
+                  <a:txBody>
+                    <a:bodyPr/>
+                    <a:lstStyle/>
+                    <a:p>
+                      <a:pPr algn="l" fontAlgn="b"/>
+                      <a:r>
+                        <a:rPr lang="en-US" sz="1200" u="none" strike="noStrike">
+                          <a:effectLst/>
+                        </a:rPr>
+                        <a:t>Phu Ta</a:t>
+                      </a:r>
+                      <a:endParaRPr lang="en-US" sz="1200" b="0" i="0" u="none" strike="noStrike">
+                        <a:solidFill>
+                          <a:srgbClr val="000000"/>
+                        </a:solidFill>
+                        <a:effectLst/>
+                        <a:latin typeface="Times New Roman" panose="02020603050405020304" pitchFamily="18" charset="0"/>
+                      </a:endParaRPr>
+                    </a:p>
+                  </a:txBody>
+                  <a:tcPr marL="0" marR="0" marT="0" marB="0" anchor="b"/>
+                </a:tc>
+              </a:tr>
+              <a:tr h="260619">
+                <a:tc>
+                  <a:txBody>
+                    <a:bodyPr/>
+                    <a:lstStyle/>
+                    <a:p>
+                      <a:pPr algn="l" fontAlgn="b"/>
+                      <a:r>
+                        <a:rPr lang="en-US" sz="1400" u="none" strike="noStrike">
+                          <a:effectLst/>
+                        </a:rPr>
+                        <a:t>Implement  - Tạo câu hỏi </a:t>
+                      </a:r>
+                      <a:endParaRPr lang="en-US" sz="1400" b="0" i="0" u="none" strike="noStrike">
+                        <a:solidFill>
+                          <a:srgbClr val="000000"/>
+                        </a:solidFill>
+                        <a:effectLst/>
+                        <a:latin typeface="Times New Roman" panose="02020603050405020304" pitchFamily="18" charset="0"/>
+                      </a:endParaRPr>
+                    </a:p>
+                  </a:txBody>
+                  <a:tcPr marL="0" marR="0" marT="0" marB="0" anchor="b"/>
+                </a:tc>
+                <a:tc>
+                  <a:txBody>
+                    <a:bodyPr/>
+                    <a:lstStyle/>
+                    <a:p>
+                      <a:pPr algn="l" fontAlgn="b"/>
+                      <a:r>
+                        <a:rPr lang="en-US" sz="1200" u="none" strike="noStrike">
+                          <a:effectLst/>
+                        </a:rPr>
+                        <a:t>Phu Ta</a:t>
+                      </a:r>
+                      <a:endParaRPr lang="en-US" sz="1200" b="0" i="0" u="none" strike="noStrike">
+                        <a:solidFill>
+                          <a:srgbClr val="000000"/>
+                        </a:solidFill>
+                        <a:effectLst/>
+                        <a:latin typeface="Times New Roman" panose="02020603050405020304" pitchFamily="18" charset="0"/>
+                      </a:endParaRPr>
+                    </a:p>
+                  </a:txBody>
+                  <a:tcPr marL="0" marR="0" marT="0" marB="0" anchor="b"/>
+                </a:tc>
+              </a:tr>
+              <a:tr h="260619">
+                <a:tc>
+                  <a:txBody>
+                    <a:bodyPr/>
+                    <a:lstStyle/>
+                    <a:p>
+                      <a:pPr algn="l" fontAlgn="b"/>
+                      <a:r>
+                        <a:rPr lang="en-US" sz="1400" u="none" strike="noStrike">
+                          <a:effectLst/>
+                        </a:rPr>
+                        <a:t>Implement - Các trạng thái trong bộ từ điển</a:t>
+                      </a:r>
+                      <a:endParaRPr lang="en-US" sz="1400" b="0" i="0" u="none" strike="noStrike">
+                        <a:solidFill>
+                          <a:srgbClr val="000000"/>
+                        </a:solidFill>
+                        <a:effectLst/>
+                        <a:latin typeface="Times New Roman" panose="02020603050405020304" pitchFamily="18" charset="0"/>
+                      </a:endParaRPr>
+                    </a:p>
+                  </a:txBody>
+                  <a:tcPr marL="0" marR="0" marT="0" marB="0" anchor="b"/>
+                </a:tc>
+                <a:tc>
+                  <a:txBody>
+                    <a:bodyPr/>
+                    <a:lstStyle/>
+                    <a:p>
+                      <a:pPr algn="l" fontAlgn="b"/>
+                      <a:r>
+                        <a:rPr lang="en-US" sz="1200" u="none" strike="noStrike">
+                          <a:effectLst/>
+                        </a:rPr>
+                        <a:t>Phu Ta</a:t>
+                      </a:r>
+                      <a:endParaRPr lang="en-US" sz="1200" b="0" i="0" u="none" strike="noStrike">
+                        <a:solidFill>
+                          <a:srgbClr val="000000"/>
+                        </a:solidFill>
+                        <a:effectLst/>
+                        <a:latin typeface="Times New Roman" panose="02020603050405020304" pitchFamily="18" charset="0"/>
+                      </a:endParaRPr>
+                    </a:p>
+                  </a:txBody>
+                  <a:tcPr marL="0" marR="0" marT="0" marB="0" anchor="b"/>
+                </a:tc>
+              </a:tr>
+              <a:tr h="271044">
+                <a:tc>
+                  <a:txBody>
+                    <a:bodyPr/>
+                    <a:lstStyle/>
+                    <a:p>
+                      <a:pPr algn="l" fontAlgn="b"/>
+                      <a:r>
+                        <a:rPr lang="en-US" sz="1400" u="none" strike="noStrike">
+                          <a:effectLst/>
+                        </a:rPr>
+                        <a:t>Detail design cho ứng dụng hiển thị bộ từ điển trên web application</a:t>
+                      </a:r>
+                      <a:endParaRPr lang="en-US" sz="1400" b="0" i="0" u="none" strike="noStrike">
+                        <a:solidFill>
+                          <a:srgbClr val="000000"/>
+                        </a:solidFill>
+                        <a:effectLst/>
+                        <a:latin typeface="Times New Roman" panose="02020603050405020304" pitchFamily="18" charset="0"/>
+                      </a:endParaRPr>
+                    </a:p>
+                  </a:txBody>
+                  <a:tcPr marL="0" marR="0" marT="0" marB="0" anchor="b"/>
+                </a:tc>
+                <a:tc>
+                  <a:txBody>
+                    <a:bodyPr/>
+                    <a:lstStyle/>
+                    <a:p>
+                      <a:pPr algn="l" fontAlgn="b"/>
+                      <a:r>
+                        <a:rPr lang="en-US" sz="1200" u="none" strike="noStrike" dirty="0">
+                          <a:effectLst/>
+                        </a:rPr>
+                        <a:t>Huy Ngo</a:t>
+                      </a:r>
+                      <a:endParaRPr lang="en-US" sz="1200" b="0" i="0" u="none" strike="noStrike" dirty="0">
+                        <a:solidFill>
+                          <a:srgbClr val="000000"/>
+                        </a:solidFill>
+                        <a:effectLst/>
+                        <a:latin typeface="Times New Roman" panose="02020603050405020304" pitchFamily="18" charset="0"/>
+                      </a:endParaRPr>
+                    </a:p>
+                  </a:txBody>
+                  <a:tcPr marL="0" marR="0" marT="0" marB="0" anchor="b"/>
+                </a:tc>
+              </a:tr>
+            </a:tbl>
+          </a:graphicData>
+        </a:graphic>
+      </p:graphicFrame>
     </p:spTree>
     <p:extLst>
       <p:ext uri="{BB962C8B-B14F-4D97-AF65-F5344CB8AC3E}">
@@ -4446,6 +6500,30 @@
           </a:p>
         </p:txBody>
       </p:sp>
+      <p:pic>
+        <p:nvPicPr>
+          <p:cNvPr id="3" name="Picture 2"/>
+          <p:cNvPicPr>
+            <a:picLocks noChangeAspect="1"/>
+          </p:cNvPicPr>
+          <p:nvPr/>
+        </p:nvPicPr>
+        <p:blipFill>
+          <a:blip r:embed="rId2"/>
+          <a:stretch>
+            <a:fillRect/>
+          </a:stretch>
+        </p:blipFill>
+        <p:spPr>
+          <a:xfrm>
+            <a:off x="1549401" y="1755598"/>
+            <a:ext cx="9269020" cy="3993506"/>
+          </a:xfrm>
+          <a:prstGeom prst="rect">
+            <a:avLst/>
+          </a:prstGeom>
+        </p:spPr>
+      </p:pic>
     </p:spTree>
     <p:extLst>
       <p:ext uri="{BB962C8B-B14F-4D97-AF65-F5344CB8AC3E}">
@@ -4701,6 +6779,30 @@
           </a:p>
         </p:txBody>
       </p:sp>
+      <p:graphicFrame>
+        <p:nvGraphicFramePr>
+          <p:cNvPr id="7" name="Chart 6"/>
+          <p:cNvGraphicFramePr>
+            <a:graphicFrameLocks/>
+          </p:cNvGraphicFramePr>
+          <p:nvPr>
+            <p:extLst>
+              <p:ext uri="{D42A27DB-BD31-4B8C-83A1-F6EECF244321}">
+                <p14:modId xmlns:p14="http://schemas.microsoft.com/office/powerpoint/2010/main" val="4251908088"/>
+              </p:ext>
+            </p:extLst>
+          </p:nvPr>
+        </p:nvGraphicFramePr>
+        <p:xfrm>
+          <a:off x="1436914" y="1690688"/>
+          <a:ext cx="9243785" cy="4151972"/>
+        </p:xfrm>
+        <a:graphic>
+          <a:graphicData uri="http://schemas.openxmlformats.org/drawingml/2006/chart">
+            <c:chart xmlns:c="http://schemas.openxmlformats.org/drawingml/2006/chart" xmlns:r="http://schemas.openxmlformats.org/officeDocument/2006/relationships" r:id="rId2"/>
+          </a:graphicData>
+        </a:graphic>
+      </p:graphicFrame>
     </p:spTree>
     <p:extLst>
       <p:ext uri="{BB962C8B-B14F-4D97-AF65-F5344CB8AC3E}">
@@ -4956,6 +7058,30 @@
           </a:p>
         </p:txBody>
       </p:sp>
+      <p:graphicFrame>
+        <p:nvGraphicFramePr>
+          <p:cNvPr id="7" name="Chart 6"/>
+          <p:cNvGraphicFramePr>
+            <a:graphicFrameLocks/>
+          </p:cNvGraphicFramePr>
+          <p:nvPr>
+            <p:extLst>
+              <p:ext uri="{D42A27DB-BD31-4B8C-83A1-F6EECF244321}">
+                <p14:modId xmlns:p14="http://schemas.microsoft.com/office/powerpoint/2010/main" val="3633145888"/>
+              </p:ext>
+            </p:extLst>
+          </p:nvPr>
+        </p:nvGraphicFramePr>
+        <p:xfrm>
+          <a:off x="1282536" y="1690688"/>
+          <a:ext cx="9595262" cy="4116346"/>
+        </p:xfrm>
+        <a:graphic>
+          <a:graphicData uri="http://schemas.openxmlformats.org/drawingml/2006/chart">
+            <c:chart xmlns:c="http://schemas.openxmlformats.org/drawingml/2006/chart" xmlns:r="http://schemas.openxmlformats.org/officeDocument/2006/relationships" r:id="rId2"/>
+          </a:graphicData>
+        </a:graphic>
+      </p:graphicFrame>
     </p:spTree>
     <p:extLst>
       <p:ext uri="{BB962C8B-B14F-4D97-AF65-F5344CB8AC3E}">
@@ -5230,7 +7356,11 @@
             </a:pPr>
             <a:r>
               <a:rPr lang="en-US" dirty="0" smtClean="0"/>
-              <a:t>Coding for </a:t>
+              <a:t>Complete </a:t>
+            </a:r>
+            <a:r>
+              <a:rPr lang="en-US" dirty="0" smtClean="0"/>
+              <a:t>for </a:t>
             </a:r>
             <a:r>
               <a:rPr lang="en-US" dirty="0" err="1" smtClean="0"/>
